--- a/Main sources of chargebacks and what can be done to reduce them.pptx
+++ b/Main sources of chargebacks and what can be done to reduce them.pptx
@@ -7,14 +7,13 @@
   <p:sldIdLst>
     <p:sldId id="256" r:id="rId2"/>
     <p:sldId id="262" r:id="rId3"/>
-    <p:sldId id="259" r:id="rId4"/>
-    <p:sldId id="260" r:id="rId5"/>
-    <p:sldId id="263" r:id="rId6"/>
-    <p:sldId id="264" r:id="rId7"/>
-    <p:sldId id="265" r:id="rId8"/>
-    <p:sldId id="266" r:id="rId9"/>
-    <p:sldId id="268" r:id="rId10"/>
-    <p:sldId id="269" r:id="rId11"/>
+    <p:sldId id="260" r:id="rId4"/>
+    <p:sldId id="263" r:id="rId5"/>
+    <p:sldId id="264" r:id="rId6"/>
+    <p:sldId id="265" r:id="rId7"/>
+    <p:sldId id="266" r:id="rId8"/>
+    <p:sldId id="268" r:id="rId9"/>
+    <p:sldId id="269" r:id="rId10"/>
   </p:sldIdLst>
   <p:sldSz cx="12192000" cy="6858000"/>
   <p:notesSz cx="6858000" cy="9144000"/>
@@ -268,7 +267,7 @@
           <a:p>
             <a:fld id="{76969C88-B244-455D-A017-012B25B1ACDD}" type="datetimeFigureOut">
               <a:rPr lang="en-US" smtClean="0"/>
-              <a:t>11/8/2020</a:t>
+              <a:t>11/16/2020</a:t>
             </a:fld>
             <a:endParaRPr lang="en-US"/>
           </a:p>
@@ -466,7 +465,7 @@
           <a:p>
             <a:fld id="{76969C88-B244-455D-A017-012B25B1ACDD}" type="datetimeFigureOut">
               <a:rPr lang="en-US" smtClean="0"/>
-              <a:t>11/8/2020</a:t>
+              <a:t>11/16/2020</a:t>
             </a:fld>
             <a:endParaRPr lang="en-US"/>
           </a:p>
@@ -674,7 +673,7 @@
           <a:p>
             <a:fld id="{76969C88-B244-455D-A017-012B25B1ACDD}" type="datetimeFigureOut">
               <a:rPr lang="en-US" smtClean="0"/>
-              <a:t>11/8/2020</a:t>
+              <a:t>11/16/2020</a:t>
             </a:fld>
             <a:endParaRPr lang="en-US"/>
           </a:p>
@@ -873,7 +872,7 @@
           <a:p>
             <a:fld id="{76969C88-B244-455D-A017-012B25B1ACDD}" type="datetimeFigureOut">
               <a:rPr lang="en-US" smtClean="0"/>
-              <a:t>11/8/2020</a:t>
+              <a:t>11/16/2020</a:t>
             </a:fld>
             <a:endParaRPr lang="en-US"/>
           </a:p>
@@ -1148,7 +1147,7 @@
           <a:p>
             <a:fld id="{76969C88-B244-455D-A017-012B25B1ACDD}" type="datetimeFigureOut">
               <a:rPr lang="en-US" smtClean="0"/>
-              <a:t>11/8/2020</a:t>
+              <a:t>11/16/2020</a:t>
             </a:fld>
             <a:endParaRPr lang="en-US"/>
           </a:p>
@@ -1413,7 +1412,7 @@
           <a:p>
             <a:fld id="{76969C88-B244-455D-A017-012B25B1ACDD}" type="datetimeFigureOut">
               <a:rPr lang="en-US" smtClean="0"/>
-              <a:t>11/8/2020</a:t>
+              <a:t>11/16/2020</a:t>
             </a:fld>
             <a:endParaRPr lang="en-US"/>
           </a:p>
@@ -1825,7 +1824,7 @@
           <a:p>
             <a:fld id="{76969C88-B244-455D-A017-012B25B1ACDD}" type="datetimeFigureOut">
               <a:rPr lang="en-US" smtClean="0"/>
-              <a:t>11/8/2020</a:t>
+              <a:t>11/16/2020</a:t>
             </a:fld>
             <a:endParaRPr lang="en-US"/>
           </a:p>
@@ -1966,7 +1965,7 @@
           <a:p>
             <a:fld id="{76969C88-B244-455D-A017-012B25B1ACDD}" type="datetimeFigureOut">
               <a:rPr lang="en-US" smtClean="0"/>
-              <a:t>11/8/2020</a:t>
+              <a:t>11/16/2020</a:t>
             </a:fld>
             <a:endParaRPr lang="en-US"/>
           </a:p>
@@ -2079,7 +2078,7 @@
           <a:p>
             <a:fld id="{76969C88-B244-455D-A017-012B25B1ACDD}" type="datetimeFigureOut">
               <a:rPr lang="en-US" smtClean="0"/>
-              <a:t>11/8/2020</a:t>
+              <a:t>11/16/2020</a:t>
             </a:fld>
             <a:endParaRPr lang="en-US"/>
           </a:p>
@@ -2391,7 +2390,7 @@
           <a:p>
             <a:fld id="{76969C88-B244-455D-A017-012B25B1ACDD}" type="datetimeFigureOut">
               <a:rPr lang="en-US" smtClean="0"/>
-              <a:t>11/8/2020</a:t>
+              <a:t>11/16/2020</a:t>
             </a:fld>
             <a:endParaRPr lang="en-US"/>
           </a:p>
@@ -2682,7 +2681,7 @@
           <a:p>
             <a:fld id="{76969C88-B244-455D-A017-012B25B1ACDD}" type="datetimeFigureOut">
               <a:rPr lang="en-US" smtClean="0"/>
-              <a:t>11/8/2020</a:t>
+              <a:t>11/16/2020</a:t>
             </a:fld>
             <a:endParaRPr lang="en-US"/>
           </a:p>
@@ -3438,7 +3437,7 @@
             <a:fld id="{76969C88-B244-455D-A017-012B25B1ACDD}" type="datetimeFigureOut">
               <a:rPr lang="en-US" smtClean="0"/>
               <a:pPr/>
-              <a:t>11/8/2020</a:t>
+              <a:t>11/16/2020</a:t>
             </a:fld>
             <a:endParaRPr lang="en-US"/>
           </a:p>
@@ -4491,2496 +4490,6 @@
 </p:sld>
 </file>
 
-<file path=ppt/slides/slide10.xml><?xml version="1.0" encoding="utf-8"?>
-<p:sld xmlns:a="http://schemas.openxmlformats.org/drawingml/2006/main" xmlns:r="http://schemas.openxmlformats.org/officeDocument/2006/relationships" xmlns:p="http://schemas.openxmlformats.org/presentationml/2006/main">
-  <p:cSld>
-    <p:bg>
-      <p:bgPr>
-        <a:solidFill>
-          <a:srgbClr val="BE786A"/>
-        </a:solidFill>
-        <a:effectLst/>
-      </p:bgPr>
-    </p:bg>
-    <p:spTree>
-      <p:nvGrpSpPr>
-        <p:cNvPr id="1" name=""/>
-        <p:cNvGrpSpPr/>
-        <p:nvPr/>
-      </p:nvGrpSpPr>
-      <p:grpSpPr>
-        <a:xfrm>
-          <a:off x="0" y="0"/>
-          <a:ext cx="0" cy="0"/>
-          <a:chOff x="0" y="0"/>
-          <a:chExt cx="0" cy="0"/>
-        </a:xfrm>
-      </p:grpSpPr>
-      <p:sp>
-        <p:nvSpPr>
-          <p:cNvPr id="3" name="Symbol zastępczy zawartości 2">
-            <a:extLst>
-              <a:ext uri="{FF2B5EF4-FFF2-40B4-BE49-F238E27FC236}">
-                <a16:creationId xmlns:a16="http://schemas.microsoft.com/office/drawing/2014/main" id="{46B59F0B-804D-4196-B0E5-801E855A2F74}"/>
-              </a:ext>
-            </a:extLst>
-          </p:cNvPr>
-          <p:cNvSpPr>
-            <a:spLocks noGrp="1"/>
-          </p:cNvSpPr>
-          <p:nvPr>
-            <p:ph idx="1"/>
-          </p:nvPr>
-        </p:nvSpPr>
-        <p:spPr>
-          <a:xfrm>
-            <a:off x="762000" y="274320"/>
-            <a:ext cx="10668000" cy="3818083"/>
-          </a:xfrm>
-        </p:spPr>
-        <p:txBody>
-          <a:bodyPr>
-            <a:noAutofit/>
-          </a:bodyPr>
-          <a:lstStyle/>
-          <a:p>
-            <a:r>
-              <a:rPr lang="pl-PL" sz="2200" dirty="0" err="1">
-                <a:solidFill>
-                  <a:schemeClr val="bg1">
-                    <a:alpha val="70000"/>
-                  </a:schemeClr>
-                </a:solidFill>
-              </a:rPr>
-              <a:t>Ensure</a:t>
-            </a:r>
-            <a:r>
-              <a:rPr lang="pl-PL" sz="2200" dirty="0">
-                <a:solidFill>
-                  <a:schemeClr val="bg1">
-                    <a:alpha val="70000"/>
-                  </a:schemeClr>
-                </a:solidFill>
-              </a:rPr>
-              <a:t> </a:t>
-            </a:r>
-            <a:r>
-              <a:rPr lang="pl-PL" sz="2200" dirty="0" err="1">
-                <a:solidFill>
-                  <a:schemeClr val="bg1">
-                    <a:alpha val="70000"/>
-                  </a:schemeClr>
-                </a:solidFill>
-              </a:rPr>
-              <a:t>that</a:t>
-            </a:r>
-            <a:r>
-              <a:rPr lang="pl-PL" sz="2200" dirty="0">
-                <a:solidFill>
-                  <a:schemeClr val="bg1">
-                    <a:alpha val="70000"/>
-                  </a:schemeClr>
-                </a:solidFill>
-              </a:rPr>
-              <a:t> the </a:t>
-            </a:r>
-            <a:r>
-              <a:rPr lang="pl-PL" sz="2200" dirty="0" err="1">
-                <a:solidFill>
-                  <a:schemeClr val="bg1">
-                    <a:alpha val="70000"/>
-                  </a:schemeClr>
-                </a:solidFill>
-              </a:rPr>
-              <a:t>amount</a:t>
-            </a:r>
-            <a:r>
-              <a:rPr lang="pl-PL" sz="2200" dirty="0">
-                <a:solidFill>
-                  <a:schemeClr val="bg1">
-                    <a:alpha val="70000"/>
-                  </a:schemeClr>
-                </a:solidFill>
-              </a:rPr>
-              <a:t> </a:t>
-            </a:r>
-            <a:r>
-              <a:rPr lang="pl-PL" sz="2200" dirty="0" err="1">
-                <a:solidFill>
-                  <a:schemeClr val="bg1">
-                    <a:alpha val="70000"/>
-                  </a:schemeClr>
-                </a:solidFill>
-              </a:rPr>
-              <a:t>billed</a:t>
-            </a:r>
-            <a:r>
-              <a:rPr lang="pl-PL" sz="2200" dirty="0">
-                <a:solidFill>
-                  <a:schemeClr val="bg1">
-                    <a:alpha val="70000"/>
-                  </a:schemeClr>
-                </a:solidFill>
-              </a:rPr>
-              <a:t> </a:t>
-            </a:r>
-            <a:r>
-              <a:rPr lang="pl-PL" sz="2200" dirty="0" err="1">
-                <a:solidFill>
-                  <a:schemeClr val="bg1">
-                    <a:alpha val="70000"/>
-                  </a:schemeClr>
-                </a:solidFill>
-              </a:rPr>
-              <a:t>matches</a:t>
-            </a:r>
-            <a:r>
-              <a:rPr lang="pl-PL" sz="2200" dirty="0">
-                <a:solidFill>
-                  <a:schemeClr val="bg1">
-                    <a:alpha val="70000"/>
-                  </a:schemeClr>
-                </a:solidFill>
-              </a:rPr>
-              <a:t> the </a:t>
-            </a:r>
-            <a:r>
-              <a:rPr lang="pl-PL" sz="2200" dirty="0" err="1">
-                <a:solidFill>
-                  <a:schemeClr val="bg1">
-                    <a:alpha val="70000"/>
-                  </a:schemeClr>
-                </a:solidFill>
-              </a:rPr>
-              <a:t>amount</a:t>
-            </a:r>
-            <a:r>
-              <a:rPr lang="pl-PL" sz="2200" dirty="0">
-                <a:solidFill>
-                  <a:schemeClr val="bg1">
-                    <a:alpha val="70000"/>
-                  </a:schemeClr>
-                </a:solidFill>
-              </a:rPr>
-              <a:t> the </a:t>
-            </a:r>
-            <a:r>
-              <a:rPr lang="pl-PL" sz="2200" dirty="0" err="1">
-                <a:solidFill>
-                  <a:schemeClr val="bg1">
-                    <a:alpha val="70000"/>
-                  </a:schemeClr>
-                </a:solidFill>
-              </a:rPr>
-              <a:t>customer</a:t>
-            </a:r>
-            <a:r>
-              <a:rPr lang="pl-PL" sz="2200" dirty="0">
-                <a:solidFill>
-                  <a:schemeClr val="bg1">
-                    <a:alpha val="70000"/>
-                  </a:schemeClr>
-                </a:solidFill>
-              </a:rPr>
-              <a:t> </a:t>
-            </a:r>
-            <a:r>
-              <a:rPr lang="pl-PL" sz="2200" dirty="0" err="1">
-                <a:solidFill>
-                  <a:schemeClr val="bg1">
-                    <a:alpha val="70000"/>
-                  </a:schemeClr>
-                </a:solidFill>
-              </a:rPr>
-              <a:t>is</a:t>
-            </a:r>
-            <a:r>
-              <a:rPr lang="pl-PL" sz="2200" dirty="0">
-                <a:solidFill>
-                  <a:schemeClr val="bg1">
-                    <a:alpha val="70000"/>
-                  </a:schemeClr>
-                </a:solidFill>
-              </a:rPr>
-              <a:t> </a:t>
-            </a:r>
-            <a:r>
-              <a:rPr lang="pl-PL" sz="2200" dirty="0" err="1">
-                <a:solidFill>
-                  <a:schemeClr val="bg1">
-                    <a:alpha val="70000"/>
-                  </a:schemeClr>
-                </a:solidFill>
-              </a:rPr>
-              <a:t>accepting</a:t>
-            </a:r>
-            <a:r>
-              <a:rPr lang="pl-PL" sz="2200" dirty="0">
-                <a:solidFill>
-                  <a:schemeClr val="bg1">
-                    <a:alpha val="70000"/>
-                  </a:schemeClr>
-                </a:solidFill>
-              </a:rPr>
-              <a:t> </a:t>
-            </a:r>
-            <a:r>
-              <a:rPr lang="pl-PL" sz="2200" dirty="0" err="1">
-                <a:solidFill>
-                  <a:schemeClr val="bg1">
-                    <a:alpha val="70000"/>
-                  </a:schemeClr>
-                </a:solidFill>
-              </a:rPr>
-              <a:t>when</a:t>
-            </a:r>
-            <a:r>
-              <a:rPr lang="pl-PL" sz="2200" dirty="0">
-                <a:solidFill>
-                  <a:schemeClr val="bg1">
-                    <a:alpha val="70000"/>
-                  </a:schemeClr>
-                </a:solidFill>
-              </a:rPr>
-              <a:t> </a:t>
-            </a:r>
-            <a:r>
-              <a:rPr lang="pl-PL" sz="2200" dirty="0" err="1">
-                <a:solidFill>
-                  <a:schemeClr val="bg1">
-                    <a:alpha val="70000"/>
-                  </a:schemeClr>
-                </a:solidFill>
-              </a:rPr>
-              <a:t>making</a:t>
-            </a:r>
-            <a:r>
-              <a:rPr lang="pl-PL" sz="2200" dirty="0">
-                <a:solidFill>
-                  <a:schemeClr val="bg1">
-                    <a:alpha val="70000"/>
-                  </a:schemeClr>
-                </a:solidFill>
-              </a:rPr>
-              <a:t> a </a:t>
-            </a:r>
-            <a:r>
-              <a:rPr lang="pl-PL" sz="2200" dirty="0" err="1">
-                <a:solidFill>
-                  <a:schemeClr val="bg1">
-                    <a:alpha val="70000"/>
-                  </a:schemeClr>
-                </a:solidFill>
-              </a:rPr>
-              <a:t>transaction</a:t>
-            </a:r>
-            <a:r>
-              <a:rPr lang="pl-PL" sz="2200" dirty="0">
-                <a:solidFill>
-                  <a:schemeClr val="bg1">
-                    <a:alpha val="70000"/>
-                  </a:schemeClr>
-                </a:solidFill>
-              </a:rPr>
-              <a:t> – </a:t>
-            </a:r>
-            <a:r>
-              <a:rPr lang="pl-PL" sz="2200" dirty="0" err="1">
-                <a:solidFill>
-                  <a:schemeClr val="bg1">
-                    <a:alpha val="70000"/>
-                  </a:schemeClr>
-                </a:solidFill>
-              </a:rPr>
-              <a:t>incorrect</a:t>
-            </a:r>
-            <a:r>
-              <a:rPr lang="pl-PL" sz="2200" dirty="0">
-                <a:solidFill>
-                  <a:schemeClr val="bg1">
-                    <a:alpha val="70000"/>
-                  </a:schemeClr>
-                </a:solidFill>
-              </a:rPr>
-              <a:t> </a:t>
-            </a:r>
-            <a:r>
-              <a:rPr lang="pl-PL" sz="2200" dirty="0" err="1">
-                <a:solidFill>
-                  <a:schemeClr val="bg1">
-                    <a:alpha val="70000"/>
-                  </a:schemeClr>
-                </a:solidFill>
-              </a:rPr>
-              <a:t>amount</a:t>
-            </a:r>
-            <a:r>
-              <a:rPr lang="pl-PL" sz="2200" dirty="0">
-                <a:solidFill>
-                  <a:schemeClr val="bg1">
-                    <a:alpha val="70000"/>
-                  </a:schemeClr>
-                </a:solidFill>
-              </a:rPr>
-              <a:t> </a:t>
-            </a:r>
-            <a:r>
-              <a:rPr lang="pl-PL" sz="2200" dirty="0" err="1">
-                <a:solidFill>
-                  <a:schemeClr val="bg1">
-                    <a:alpha val="70000"/>
-                  </a:schemeClr>
-                </a:solidFill>
-              </a:rPr>
-              <a:t>billed</a:t>
-            </a:r>
-            <a:r>
-              <a:rPr lang="pl-PL" sz="2200" dirty="0">
-                <a:solidFill>
-                  <a:schemeClr val="bg1">
-                    <a:alpha val="70000"/>
-                  </a:schemeClr>
-                </a:solidFill>
-              </a:rPr>
-              <a:t> was a </a:t>
-            </a:r>
-            <a:r>
-              <a:rPr lang="pl-PL" sz="2200" dirty="0" err="1">
-                <a:solidFill>
-                  <a:schemeClr val="bg1">
-                    <a:alpha val="70000"/>
-                  </a:schemeClr>
-                </a:solidFill>
-              </a:rPr>
-              <a:t>reason</a:t>
-            </a:r>
-            <a:r>
-              <a:rPr lang="pl-PL" sz="2200" dirty="0">
-                <a:solidFill>
-                  <a:schemeClr val="bg1">
-                    <a:alpha val="70000"/>
-                  </a:schemeClr>
-                </a:solidFill>
-              </a:rPr>
-              <a:t> for </a:t>
-            </a:r>
-            <a:r>
-              <a:rPr lang="pl-PL" sz="2200" dirty="0" err="1">
-                <a:solidFill>
-                  <a:schemeClr val="bg1">
-                    <a:alpha val="70000"/>
-                  </a:schemeClr>
-                </a:solidFill>
-              </a:rPr>
-              <a:t>all</a:t>
-            </a:r>
-            <a:r>
-              <a:rPr lang="pl-PL" sz="2200" dirty="0">
-                <a:solidFill>
-                  <a:schemeClr val="bg1">
-                    <a:alpha val="70000"/>
-                  </a:schemeClr>
-                </a:solidFill>
-              </a:rPr>
-              <a:t> </a:t>
-            </a:r>
-            <a:r>
-              <a:rPr lang="pl-PL" sz="2200" dirty="0" err="1">
-                <a:solidFill>
-                  <a:schemeClr val="bg1">
-                    <a:alpha val="70000"/>
-                  </a:schemeClr>
-                </a:solidFill>
-              </a:rPr>
-              <a:t>chargebacks</a:t>
-            </a:r>
-            <a:r>
-              <a:rPr lang="pl-PL" sz="2200" dirty="0">
-                <a:solidFill>
-                  <a:schemeClr val="bg1">
-                    <a:alpha val="70000"/>
-                  </a:schemeClr>
-                </a:solidFill>
-              </a:rPr>
-              <a:t> </a:t>
-            </a:r>
-            <a:r>
-              <a:rPr lang="pl-PL" sz="2200" dirty="0" err="1">
-                <a:solidFill>
-                  <a:schemeClr val="bg1">
-                    <a:alpha val="70000"/>
-                  </a:schemeClr>
-                </a:solidFill>
-              </a:rPr>
-              <a:t>filed</a:t>
-            </a:r>
-            <a:r>
-              <a:rPr lang="pl-PL" sz="2200" dirty="0">
-                <a:solidFill>
-                  <a:schemeClr val="bg1">
-                    <a:alpha val="70000"/>
-                  </a:schemeClr>
-                </a:solidFill>
-              </a:rPr>
-              <a:t> to </a:t>
-            </a:r>
-            <a:r>
-              <a:rPr lang="pl-PL" sz="2200" dirty="0" err="1">
-                <a:solidFill>
-                  <a:schemeClr val="bg1">
-                    <a:alpha val="70000"/>
-                  </a:schemeClr>
-                </a:solidFill>
-              </a:rPr>
-              <a:t>date</a:t>
-            </a:r>
-            <a:r>
-              <a:rPr lang="pl-PL" sz="2200" dirty="0">
-                <a:solidFill>
-                  <a:schemeClr val="bg1">
-                    <a:alpha val="70000"/>
-                  </a:schemeClr>
-                </a:solidFill>
-              </a:rPr>
-              <a:t>.</a:t>
-            </a:r>
-          </a:p>
-          <a:p>
-            <a:r>
-              <a:rPr lang="pl-PL" sz="2200" dirty="0">
-                <a:solidFill>
-                  <a:schemeClr val="bg1">
-                    <a:alpha val="70000"/>
-                  </a:schemeClr>
-                </a:solidFill>
-              </a:rPr>
-              <a:t>Monitor </a:t>
-            </a:r>
-            <a:r>
-              <a:rPr lang="pl-PL" sz="2200" dirty="0" err="1">
-                <a:solidFill>
-                  <a:schemeClr val="bg1">
-                    <a:alpha val="70000"/>
-                  </a:schemeClr>
-                </a:solidFill>
-              </a:rPr>
-              <a:t>transactions</a:t>
-            </a:r>
-            <a:r>
-              <a:rPr lang="pl-PL" sz="2200" dirty="0">
-                <a:solidFill>
-                  <a:schemeClr val="bg1">
-                    <a:alpha val="70000"/>
-                  </a:schemeClr>
-                </a:solidFill>
-              </a:rPr>
-              <a:t> </a:t>
-            </a:r>
-            <a:r>
-              <a:rPr lang="pl-PL" sz="2200" dirty="0" err="1">
-                <a:solidFill>
-                  <a:schemeClr val="bg1">
-                    <a:alpha val="70000"/>
-                  </a:schemeClr>
-                </a:solidFill>
-              </a:rPr>
-              <a:t>made</a:t>
-            </a:r>
-            <a:r>
-              <a:rPr lang="pl-PL" sz="2200" dirty="0">
-                <a:solidFill>
-                  <a:schemeClr val="bg1">
-                    <a:alpha val="70000"/>
-                  </a:schemeClr>
-                </a:solidFill>
-              </a:rPr>
-              <a:t> by </a:t>
-            </a:r>
-            <a:r>
-              <a:rPr lang="pl-PL" sz="2200" dirty="0" err="1">
-                <a:solidFill>
-                  <a:schemeClr val="bg1">
-                    <a:alpha val="70000"/>
-                  </a:schemeClr>
-                </a:solidFill>
-              </a:rPr>
-              <a:t>customers</a:t>
-            </a:r>
-            <a:r>
-              <a:rPr lang="pl-PL" sz="2200" dirty="0">
-                <a:solidFill>
-                  <a:schemeClr val="bg1">
-                    <a:alpha val="70000"/>
-                  </a:schemeClr>
-                </a:solidFill>
-              </a:rPr>
-              <a:t> from Panama, Russia, Turkey and </a:t>
-            </a:r>
-            <a:r>
-              <a:rPr lang="pl-PL" sz="2200" dirty="0" err="1">
-                <a:solidFill>
-                  <a:schemeClr val="bg1">
-                    <a:alpha val="70000"/>
-                  </a:schemeClr>
-                </a:solidFill>
-              </a:rPr>
-              <a:t>Thailand</a:t>
-            </a:r>
-            <a:r>
-              <a:rPr lang="pl-PL" sz="2200" dirty="0">
-                <a:solidFill>
-                  <a:schemeClr val="bg1">
-                    <a:alpha val="70000"/>
-                  </a:schemeClr>
-                </a:solidFill>
-              </a:rPr>
-              <a:t> – </a:t>
-            </a:r>
-            <a:r>
-              <a:rPr lang="pl-PL" sz="2200" dirty="0" err="1">
-                <a:solidFill>
-                  <a:schemeClr val="bg1">
-                    <a:alpha val="70000"/>
-                  </a:schemeClr>
-                </a:solidFill>
-              </a:rPr>
-              <a:t>reducing</a:t>
-            </a:r>
-            <a:r>
-              <a:rPr lang="pl-PL" sz="2200" dirty="0">
-                <a:solidFill>
-                  <a:schemeClr val="bg1">
-                    <a:alpha val="70000"/>
-                  </a:schemeClr>
-                </a:solidFill>
-              </a:rPr>
-              <a:t> </a:t>
-            </a:r>
-            <a:r>
-              <a:rPr lang="pl-PL" sz="2200" dirty="0" err="1">
-                <a:solidFill>
-                  <a:schemeClr val="bg1">
-                    <a:alpha val="70000"/>
-                  </a:schemeClr>
-                </a:solidFill>
-              </a:rPr>
-              <a:t>their</a:t>
-            </a:r>
-            <a:r>
-              <a:rPr lang="pl-PL" sz="2200" dirty="0">
-                <a:solidFill>
-                  <a:schemeClr val="bg1">
-                    <a:alpha val="70000"/>
-                  </a:schemeClr>
-                </a:solidFill>
-              </a:rPr>
-              <a:t> </a:t>
-            </a:r>
-            <a:r>
-              <a:rPr lang="pl-PL" sz="2200" dirty="0" err="1">
-                <a:solidFill>
-                  <a:schemeClr val="bg1">
-                    <a:alpha val="70000"/>
-                  </a:schemeClr>
-                </a:solidFill>
-              </a:rPr>
-              <a:t>share</a:t>
-            </a:r>
-            <a:r>
-              <a:rPr lang="pl-PL" sz="2200" dirty="0">
-                <a:solidFill>
-                  <a:schemeClr val="bg1">
-                    <a:alpha val="70000"/>
-                  </a:schemeClr>
-                </a:solidFill>
-              </a:rPr>
-              <a:t> in </a:t>
-            </a:r>
-            <a:r>
-              <a:rPr lang="pl-PL" sz="2200" dirty="0" err="1">
-                <a:solidFill>
-                  <a:schemeClr val="bg1">
-                    <a:alpha val="70000"/>
-                  </a:schemeClr>
-                </a:solidFill>
-              </a:rPr>
-              <a:t>total</a:t>
-            </a:r>
-            <a:r>
-              <a:rPr lang="pl-PL" sz="2200" dirty="0">
-                <a:solidFill>
-                  <a:schemeClr val="bg1">
-                    <a:alpha val="70000"/>
-                  </a:schemeClr>
-                </a:solidFill>
-              </a:rPr>
-              <a:t> </a:t>
-            </a:r>
-            <a:r>
-              <a:rPr lang="pl-PL" sz="2200" dirty="0" err="1">
-                <a:solidFill>
-                  <a:schemeClr val="bg1">
-                    <a:alpha val="70000"/>
-                  </a:schemeClr>
-                </a:solidFill>
-              </a:rPr>
-              <a:t>chargebacks</a:t>
-            </a:r>
-            <a:r>
-              <a:rPr lang="pl-PL" sz="2200" dirty="0">
-                <a:solidFill>
-                  <a:schemeClr val="bg1">
-                    <a:alpha val="70000"/>
-                  </a:schemeClr>
-                </a:solidFill>
-              </a:rPr>
-              <a:t> to a standard </a:t>
-            </a:r>
-            <a:r>
-              <a:rPr lang="pl-PL" sz="2200" dirty="0" err="1">
-                <a:solidFill>
-                  <a:schemeClr val="bg1">
-                    <a:alpha val="70000"/>
-                  </a:schemeClr>
-                </a:solidFill>
-              </a:rPr>
-              <a:t>level</a:t>
-            </a:r>
-            <a:r>
-              <a:rPr lang="pl-PL" sz="2200" dirty="0">
-                <a:solidFill>
-                  <a:schemeClr val="bg1">
-                    <a:alpha val="70000"/>
-                  </a:schemeClr>
-                </a:solidFill>
-              </a:rPr>
-              <a:t> (~2%) </a:t>
-            </a:r>
-            <a:r>
-              <a:rPr lang="pl-PL" sz="2200" dirty="0" err="1">
-                <a:solidFill>
-                  <a:schemeClr val="bg1">
-                    <a:alpha val="70000"/>
-                  </a:schemeClr>
-                </a:solidFill>
-              </a:rPr>
-              <a:t>would</a:t>
-            </a:r>
-            <a:r>
-              <a:rPr lang="pl-PL" sz="2200" dirty="0">
-                <a:solidFill>
-                  <a:schemeClr val="bg1">
-                    <a:alpha val="70000"/>
-                  </a:schemeClr>
-                </a:solidFill>
-              </a:rPr>
-              <a:t> </a:t>
-            </a:r>
-            <a:r>
-              <a:rPr lang="pl-PL" sz="2200" dirty="0" err="1">
-                <a:solidFill>
-                  <a:schemeClr val="bg1">
-                    <a:alpha val="70000"/>
-                  </a:schemeClr>
-                </a:solidFill>
-              </a:rPr>
-              <a:t>decrease</a:t>
-            </a:r>
-            <a:r>
-              <a:rPr lang="pl-PL" sz="2200" dirty="0">
-                <a:solidFill>
-                  <a:schemeClr val="bg1">
-                    <a:alpha val="70000"/>
-                  </a:schemeClr>
-                </a:solidFill>
-              </a:rPr>
-              <a:t> the </a:t>
-            </a:r>
-            <a:r>
-              <a:rPr lang="pl-PL" sz="2200" dirty="0" err="1">
-                <a:solidFill>
-                  <a:schemeClr val="bg1">
-                    <a:alpha val="70000"/>
-                  </a:schemeClr>
-                </a:solidFill>
-              </a:rPr>
-              <a:t>total</a:t>
-            </a:r>
-            <a:r>
-              <a:rPr lang="pl-PL" sz="2200" dirty="0">
-                <a:solidFill>
-                  <a:schemeClr val="bg1">
-                    <a:alpha val="70000"/>
-                  </a:schemeClr>
-                </a:solidFill>
-              </a:rPr>
-              <a:t> </a:t>
-            </a:r>
-            <a:r>
-              <a:rPr lang="pl-PL" sz="2200" dirty="0" err="1">
-                <a:solidFill>
-                  <a:schemeClr val="bg1">
-                    <a:alpha val="70000"/>
-                  </a:schemeClr>
-                </a:solidFill>
-              </a:rPr>
-              <a:t>number</a:t>
-            </a:r>
-            <a:r>
-              <a:rPr lang="pl-PL" sz="2200" dirty="0">
-                <a:solidFill>
-                  <a:schemeClr val="bg1">
-                    <a:alpha val="70000"/>
-                  </a:schemeClr>
-                </a:solidFill>
-              </a:rPr>
-              <a:t> of </a:t>
-            </a:r>
-            <a:r>
-              <a:rPr lang="pl-PL" sz="2200" dirty="0" err="1">
-                <a:solidFill>
-                  <a:schemeClr val="bg1">
-                    <a:alpha val="70000"/>
-                  </a:schemeClr>
-                </a:solidFill>
-              </a:rPr>
-              <a:t>chargebacks</a:t>
-            </a:r>
-            <a:r>
-              <a:rPr lang="pl-PL" sz="2200" dirty="0">
-                <a:solidFill>
-                  <a:schemeClr val="bg1">
-                    <a:alpha val="70000"/>
-                  </a:schemeClr>
-                </a:solidFill>
-              </a:rPr>
-              <a:t> from 318 to 207 (</a:t>
-            </a:r>
-            <a:r>
-              <a:rPr lang="pl-PL" sz="2200" dirty="0" err="1">
-                <a:solidFill>
-                  <a:schemeClr val="bg1">
-                    <a:alpha val="70000"/>
-                  </a:schemeClr>
-                </a:solidFill>
-              </a:rPr>
-              <a:t>bringing</a:t>
-            </a:r>
-            <a:r>
-              <a:rPr lang="pl-PL" sz="2200" dirty="0">
-                <a:solidFill>
-                  <a:schemeClr val="bg1">
-                    <a:alpha val="70000"/>
-                  </a:schemeClr>
-                </a:solidFill>
-              </a:rPr>
-              <a:t> the ratio of </a:t>
-            </a:r>
-            <a:r>
-              <a:rPr lang="pl-PL" sz="2200" dirty="0" err="1">
-                <a:solidFill>
-                  <a:schemeClr val="bg1">
-                    <a:alpha val="70000"/>
-                  </a:schemeClr>
-                </a:solidFill>
-              </a:rPr>
-              <a:t>chargebacks</a:t>
-            </a:r>
-            <a:r>
-              <a:rPr lang="pl-PL" sz="2200" dirty="0">
-                <a:solidFill>
-                  <a:schemeClr val="bg1">
-                    <a:alpha val="70000"/>
-                  </a:schemeClr>
-                </a:solidFill>
-              </a:rPr>
-              <a:t> to </a:t>
-            </a:r>
-            <a:r>
-              <a:rPr lang="pl-PL" sz="2200" dirty="0" err="1">
-                <a:solidFill>
-                  <a:schemeClr val="bg1">
-                    <a:alpha val="70000"/>
-                  </a:schemeClr>
-                </a:solidFill>
-              </a:rPr>
-              <a:t>all</a:t>
-            </a:r>
-            <a:r>
-              <a:rPr lang="pl-PL" sz="2200" dirty="0">
-                <a:solidFill>
-                  <a:schemeClr val="bg1">
-                    <a:alpha val="70000"/>
-                  </a:schemeClr>
-                </a:solidFill>
-              </a:rPr>
-              <a:t> </a:t>
-            </a:r>
-            <a:r>
-              <a:rPr lang="pl-PL" sz="2200" dirty="0" err="1">
-                <a:solidFill>
-                  <a:schemeClr val="bg1">
-                    <a:alpha val="70000"/>
-                  </a:schemeClr>
-                </a:solidFill>
-              </a:rPr>
-              <a:t>transactions</a:t>
-            </a:r>
-            <a:r>
-              <a:rPr lang="pl-PL" sz="2200" dirty="0">
-                <a:solidFill>
-                  <a:schemeClr val="bg1">
-                    <a:alpha val="70000"/>
-                  </a:schemeClr>
-                </a:solidFill>
-              </a:rPr>
-              <a:t> down to 0.94%).</a:t>
-            </a:r>
-          </a:p>
-          <a:p>
-            <a:r>
-              <a:rPr lang="pl-PL" sz="2200" dirty="0">
-                <a:solidFill>
-                  <a:schemeClr val="bg1">
-                    <a:alpha val="70000"/>
-                  </a:schemeClr>
-                </a:solidFill>
-              </a:rPr>
-              <a:t>Monitor </a:t>
-            </a:r>
-            <a:r>
-              <a:rPr lang="pl-PL" sz="2200" dirty="0" err="1">
-                <a:solidFill>
-                  <a:schemeClr val="bg1">
-                    <a:alpha val="70000"/>
-                  </a:schemeClr>
-                </a:solidFill>
-              </a:rPr>
-              <a:t>suspicious</a:t>
-            </a:r>
-            <a:r>
-              <a:rPr lang="pl-PL" sz="2200" dirty="0">
-                <a:solidFill>
-                  <a:schemeClr val="bg1">
-                    <a:alpha val="70000"/>
-                  </a:schemeClr>
-                </a:solidFill>
-              </a:rPr>
-              <a:t> </a:t>
-            </a:r>
-            <a:r>
-              <a:rPr lang="pl-PL" sz="2200" dirty="0" err="1">
-                <a:solidFill>
-                  <a:schemeClr val="bg1">
-                    <a:alpha val="70000"/>
-                  </a:schemeClr>
-                </a:solidFill>
-              </a:rPr>
-              <a:t>behaviour</a:t>
-            </a:r>
-            <a:r>
-              <a:rPr lang="pl-PL" sz="2200" dirty="0">
-                <a:solidFill>
-                  <a:schemeClr val="bg1">
-                    <a:alpha val="70000"/>
-                  </a:schemeClr>
-                </a:solidFill>
-              </a:rPr>
-              <a:t> of </a:t>
-            </a:r>
-            <a:r>
-              <a:rPr lang="pl-PL" sz="2200" dirty="0" err="1">
-                <a:solidFill>
-                  <a:schemeClr val="bg1">
-                    <a:alpha val="70000"/>
-                  </a:schemeClr>
-                </a:solidFill>
-              </a:rPr>
-              <a:t>customers</a:t>
-            </a:r>
-            <a:r>
-              <a:rPr lang="pl-PL" sz="2200" dirty="0">
-                <a:solidFill>
-                  <a:schemeClr val="bg1">
-                    <a:alpha val="70000"/>
-                  </a:schemeClr>
-                </a:solidFill>
-              </a:rPr>
-              <a:t> and </a:t>
-            </a:r>
-            <a:r>
-              <a:rPr lang="pl-PL" sz="2200" dirty="0" err="1">
-                <a:solidFill>
-                  <a:schemeClr val="bg1">
-                    <a:alpha val="70000"/>
-                  </a:schemeClr>
-                </a:solidFill>
-              </a:rPr>
-              <a:t>gather</a:t>
-            </a:r>
-            <a:r>
-              <a:rPr lang="pl-PL" sz="2200" dirty="0">
-                <a:solidFill>
-                  <a:schemeClr val="bg1">
-                    <a:alpha val="70000"/>
-                  </a:schemeClr>
-                </a:solidFill>
-              </a:rPr>
-              <a:t> </a:t>
-            </a:r>
-            <a:r>
-              <a:rPr lang="pl-PL" sz="2200" dirty="0" err="1">
-                <a:solidFill>
-                  <a:schemeClr val="bg1">
-                    <a:alpha val="70000"/>
-                  </a:schemeClr>
-                </a:solidFill>
-              </a:rPr>
-              <a:t>evidence</a:t>
-            </a:r>
-            <a:r>
-              <a:rPr lang="pl-PL" sz="2200" dirty="0">
-                <a:solidFill>
-                  <a:schemeClr val="bg1">
-                    <a:alpha val="70000"/>
-                  </a:schemeClr>
-                </a:solidFill>
-              </a:rPr>
-              <a:t> to </a:t>
-            </a:r>
-            <a:r>
-              <a:rPr lang="pl-PL" sz="2200" dirty="0" err="1">
-                <a:solidFill>
-                  <a:schemeClr val="bg1">
-                    <a:alpha val="70000"/>
-                  </a:schemeClr>
-                </a:solidFill>
-              </a:rPr>
-              <a:t>refute</a:t>
-            </a:r>
-            <a:r>
-              <a:rPr lang="pl-PL" sz="2200" dirty="0">
-                <a:solidFill>
-                  <a:schemeClr val="bg1">
-                    <a:alpha val="70000"/>
-                  </a:schemeClr>
-                </a:solidFill>
-              </a:rPr>
-              <a:t> the </a:t>
-            </a:r>
-            <a:r>
-              <a:rPr lang="pl-PL" sz="2200" dirty="0" err="1">
-                <a:solidFill>
-                  <a:schemeClr val="bg1">
-                    <a:alpha val="70000"/>
-                  </a:schemeClr>
-                </a:solidFill>
-              </a:rPr>
-              <a:t>claims</a:t>
-            </a:r>
-            <a:r>
-              <a:rPr lang="pl-PL" sz="2200" dirty="0">
-                <a:solidFill>
-                  <a:schemeClr val="bg1">
-                    <a:alpha val="70000"/>
-                  </a:schemeClr>
-                </a:solidFill>
-              </a:rPr>
-              <a:t> of </a:t>
-            </a:r>
-            <a:r>
-              <a:rPr lang="pl-PL" sz="2200" dirty="0" err="1">
-                <a:solidFill>
-                  <a:schemeClr val="bg1">
-                    <a:alpha val="70000"/>
-                  </a:schemeClr>
-                </a:solidFill>
-              </a:rPr>
-              <a:t>known</a:t>
-            </a:r>
-            <a:r>
-              <a:rPr lang="pl-PL" sz="2200" dirty="0">
-                <a:solidFill>
-                  <a:schemeClr val="bg1">
-                    <a:alpha val="70000"/>
-                  </a:schemeClr>
-                </a:solidFill>
-              </a:rPr>
-              <a:t> </a:t>
-            </a:r>
-            <a:r>
-              <a:rPr lang="pl-PL" sz="2200" dirty="0" err="1">
-                <a:solidFill>
-                  <a:schemeClr val="bg1">
-                    <a:alpha val="70000"/>
-                  </a:schemeClr>
-                </a:solidFill>
-              </a:rPr>
-              <a:t>offenders</a:t>
-            </a:r>
-            <a:r>
-              <a:rPr lang="pl-PL" sz="2200" dirty="0">
-                <a:solidFill>
-                  <a:schemeClr val="bg1">
-                    <a:alpha val="70000"/>
-                  </a:schemeClr>
-                </a:solidFill>
-              </a:rPr>
-              <a:t> – </a:t>
-            </a:r>
-            <a:r>
-              <a:rPr lang="pl-PL" sz="2200" dirty="0" err="1">
-                <a:solidFill>
-                  <a:schemeClr val="bg1">
-                    <a:alpha val="70000"/>
-                  </a:schemeClr>
-                </a:solidFill>
-              </a:rPr>
-              <a:t>customers</a:t>
-            </a:r>
-            <a:r>
-              <a:rPr lang="pl-PL" sz="2200" dirty="0">
-                <a:solidFill>
-                  <a:schemeClr val="bg1">
-                    <a:alpha val="70000"/>
-                  </a:schemeClr>
-                </a:solidFill>
-              </a:rPr>
-              <a:t> </a:t>
-            </a:r>
-            <a:r>
-              <a:rPr lang="pl-PL" sz="2200" dirty="0" err="1">
-                <a:solidFill>
-                  <a:schemeClr val="bg1">
-                    <a:alpha val="70000"/>
-                  </a:schemeClr>
-                </a:solidFill>
-              </a:rPr>
-              <a:t>commiting</a:t>
-            </a:r>
-            <a:r>
-              <a:rPr lang="pl-PL" sz="2200" dirty="0">
-                <a:solidFill>
-                  <a:schemeClr val="bg1">
-                    <a:alpha val="70000"/>
-                  </a:schemeClr>
-                </a:solidFill>
-              </a:rPr>
-              <a:t> </a:t>
-            </a:r>
-            <a:r>
-              <a:rPr lang="pl-PL" sz="2200" dirty="0" err="1">
-                <a:solidFill>
-                  <a:schemeClr val="bg1">
-                    <a:alpha val="70000"/>
-                  </a:schemeClr>
-                </a:solidFill>
-              </a:rPr>
-              <a:t>friendly</a:t>
-            </a:r>
-            <a:r>
-              <a:rPr lang="pl-PL" sz="2200" dirty="0">
-                <a:solidFill>
-                  <a:schemeClr val="bg1">
-                    <a:alpha val="70000"/>
-                  </a:schemeClr>
-                </a:solidFill>
-              </a:rPr>
-              <a:t> fraud </a:t>
-            </a:r>
-            <a:r>
-              <a:rPr lang="pl-PL" sz="2200" dirty="0" err="1">
-                <a:solidFill>
-                  <a:schemeClr val="bg1">
-                    <a:alpha val="70000"/>
-                  </a:schemeClr>
-                </a:solidFill>
-              </a:rPr>
-              <a:t>will</a:t>
-            </a:r>
-            <a:r>
-              <a:rPr lang="pl-PL" sz="2200" dirty="0">
-                <a:solidFill>
-                  <a:schemeClr val="bg1">
-                    <a:alpha val="70000"/>
-                  </a:schemeClr>
-                </a:solidFill>
-              </a:rPr>
-              <a:t> be far less </a:t>
-            </a:r>
-            <a:r>
-              <a:rPr lang="pl-PL" sz="2200" dirty="0" err="1">
-                <a:solidFill>
-                  <a:schemeClr val="bg1">
-                    <a:alpha val="70000"/>
-                  </a:schemeClr>
-                </a:solidFill>
-              </a:rPr>
-              <a:t>likely</a:t>
-            </a:r>
-            <a:r>
-              <a:rPr lang="pl-PL" sz="2200" dirty="0">
-                <a:solidFill>
-                  <a:schemeClr val="bg1">
-                    <a:alpha val="70000"/>
-                  </a:schemeClr>
-                </a:solidFill>
-              </a:rPr>
-              <a:t> to </a:t>
-            </a:r>
-            <a:r>
-              <a:rPr lang="pl-PL" sz="2200" dirty="0" err="1">
-                <a:solidFill>
-                  <a:schemeClr val="bg1">
-                    <a:alpha val="70000"/>
-                  </a:schemeClr>
-                </a:solidFill>
-              </a:rPr>
-              <a:t>get</a:t>
-            </a:r>
-            <a:r>
-              <a:rPr lang="pl-PL" sz="2200" dirty="0">
-                <a:solidFill>
-                  <a:schemeClr val="bg1">
-                    <a:alpha val="70000"/>
-                  </a:schemeClr>
-                </a:solidFill>
-              </a:rPr>
-              <a:t> </a:t>
-            </a:r>
-            <a:r>
-              <a:rPr lang="pl-PL" sz="2200" dirty="0" err="1">
-                <a:solidFill>
-                  <a:schemeClr val="bg1">
-                    <a:alpha val="70000"/>
-                  </a:schemeClr>
-                </a:solidFill>
-              </a:rPr>
-              <a:t>their</a:t>
-            </a:r>
-            <a:r>
-              <a:rPr lang="pl-PL" sz="2200" dirty="0">
-                <a:solidFill>
-                  <a:schemeClr val="bg1">
-                    <a:alpha val="70000"/>
-                  </a:schemeClr>
-                </a:solidFill>
-              </a:rPr>
-              <a:t> </a:t>
-            </a:r>
-            <a:r>
-              <a:rPr lang="pl-PL" sz="2200" dirty="0" err="1">
-                <a:solidFill>
-                  <a:schemeClr val="bg1">
-                    <a:alpha val="70000"/>
-                  </a:schemeClr>
-                </a:solidFill>
-              </a:rPr>
-              <a:t>chargeback</a:t>
-            </a:r>
-            <a:r>
-              <a:rPr lang="pl-PL" sz="2200" dirty="0">
-                <a:solidFill>
-                  <a:schemeClr val="bg1">
-                    <a:alpha val="70000"/>
-                  </a:schemeClr>
-                </a:solidFill>
-              </a:rPr>
-              <a:t> </a:t>
-            </a:r>
-            <a:r>
-              <a:rPr lang="pl-PL" sz="2200" dirty="0" err="1">
-                <a:solidFill>
-                  <a:schemeClr val="bg1">
-                    <a:alpha val="70000"/>
-                  </a:schemeClr>
-                </a:solidFill>
-              </a:rPr>
-              <a:t>claims</a:t>
-            </a:r>
-            <a:r>
-              <a:rPr lang="pl-PL" sz="2200" dirty="0">
-                <a:solidFill>
-                  <a:schemeClr val="bg1">
-                    <a:alpha val="70000"/>
-                  </a:schemeClr>
-                </a:solidFill>
-              </a:rPr>
-              <a:t> </a:t>
-            </a:r>
-            <a:r>
-              <a:rPr lang="pl-PL" sz="2200" dirty="0" err="1">
-                <a:solidFill>
-                  <a:schemeClr val="bg1">
-                    <a:alpha val="70000"/>
-                  </a:schemeClr>
-                </a:solidFill>
-              </a:rPr>
-              <a:t>accepted</a:t>
-            </a:r>
-            <a:r>
-              <a:rPr lang="pl-PL" sz="2200" dirty="0">
-                <a:solidFill>
-                  <a:schemeClr val="bg1">
-                    <a:alpha val="70000"/>
-                  </a:schemeClr>
-                </a:solidFill>
-              </a:rPr>
-              <a:t> in the </a:t>
-            </a:r>
-            <a:r>
-              <a:rPr lang="pl-PL" sz="2200" dirty="0" err="1">
-                <a:solidFill>
-                  <a:schemeClr val="bg1">
-                    <a:alpha val="70000"/>
-                  </a:schemeClr>
-                </a:solidFill>
-              </a:rPr>
-              <a:t>future</a:t>
-            </a:r>
-            <a:r>
-              <a:rPr lang="pl-PL" sz="2200" dirty="0">
-                <a:solidFill>
-                  <a:schemeClr val="bg1">
-                    <a:alpha val="70000"/>
-                  </a:schemeClr>
-                </a:solidFill>
-              </a:rPr>
-              <a:t>, </a:t>
-            </a:r>
-            <a:r>
-              <a:rPr lang="pl-PL" sz="2200" dirty="0" err="1">
-                <a:solidFill>
-                  <a:schemeClr val="bg1">
-                    <a:alpha val="70000"/>
-                  </a:schemeClr>
-                </a:solidFill>
-              </a:rPr>
-              <a:t>if</a:t>
-            </a:r>
-            <a:r>
-              <a:rPr lang="pl-PL" sz="2200" dirty="0">
-                <a:solidFill>
-                  <a:schemeClr val="bg1">
-                    <a:alpha val="70000"/>
-                  </a:schemeClr>
-                </a:solidFill>
-              </a:rPr>
-              <a:t> </a:t>
-            </a:r>
-            <a:r>
-              <a:rPr lang="pl-PL" sz="2200" dirty="0" err="1">
-                <a:solidFill>
-                  <a:schemeClr val="bg1">
-                    <a:alpha val="70000"/>
-                  </a:schemeClr>
-                </a:solidFill>
-              </a:rPr>
-              <a:t>there</a:t>
-            </a:r>
-            <a:r>
-              <a:rPr lang="pl-PL" sz="2200" dirty="0">
-                <a:solidFill>
-                  <a:schemeClr val="bg1">
-                    <a:alpha val="70000"/>
-                  </a:schemeClr>
-                </a:solidFill>
-              </a:rPr>
-              <a:t> </a:t>
-            </a:r>
-            <a:r>
-              <a:rPr lang="pl-PL" sz="2200" dirty="0" err="1">
-                <a:solidFill>
-                  <a:schemeClr val="bg1">
-                    <a:alpha val="70000"/>
-                  </a:schemeClr>
-                </a:solidFill>
-              </a:rPr>
-              <a:t>is</a:t>
-            </a:r>
-            <a:r>
-              <a:rPr lang="pl-PL" sz="2200" dirty="0">
-                <a:solidFill>
-                  <a:schemeClr val="bg1">
-                    <a:alpha val="70000"/>
-                  </a:schemeClr>
-                </a:solidFill>
-              </a:rPr>
-              <a:t> </a:t>
-            </a:r>
-            <a:r>
-              <a:rPr lang="pl-PL" sz="2200" dirty="0" err="1">
-                <a:solidFill>
-                  <a:schemeClr val="bg1">
-                    <a:alpha val="70000"/>
-                  </a:schemeClr>
-                </a:solidFill>
-              </a:rPr>
-              <a:t>evidence</a:t>
-            </a:r>
-            <a:r>
-              <a:rPr lang="pl-PL" sz="2200" dirty="0">
-                <a:solidFill>
-                  <a:schemeClr val="bg1">
-                    <a:alpha val="70000"/>
-                  </a:schemeClr>
-                </a:solidFill>
-              </a:rPr>
-              <a:t> </a:t>
-            </a:r>
-            <a:r>
-              <a:rPr lang="pl-PL" sz="2200" dirty="0" err="1">
-                <a:solidFill>
-                  <a:schemeClr val="bg1">
-                    <a:alpha val="70000"/>
-                  </a:schemeClr>
-                </a:solidFill>
-              </a:rPr>
-              <a:t>they</a:t>
-            </a:r>
-            <a:r>
-              <a:rPr lang="pl-PL" sz="2200" dirty="0">
-                <a:solidFill>
-                  <a:schemeClr val="bg1">
-                    <a:alpha val="70000"/>
-                  </a:schemeClr>
-                </a:solidFill>
-              </a:rPr>
-              <a:t> </a:t>
-            </a:r>
-            <a:r>
-              <a:rPr lang="pl-PL" sz="2200" dirty="0" err="1">
-                <a:solidFill>
-                  <a:schemeClr val="bg1">
-                    <a:alpha val="70000"/>
-                  </a:schemeClr>
-                </a:solidFill>
-              </a:rPr>
-              <a:t>had</a:t>
-            </a:r>
-            <a:r>
-              <a:rPr lang="pl-PL" sz="2200" dirty="0">
-                <a:solidFill>
-                  <a:schemeClr val="bg1">
-                    <a:alpha val="70000"/>
-                  </a:schemeClr>
-                </a:solidFill>
-              </a:rPr>
-              <a:t> </a:t>
-            </a:r>
-            <a:r>
-              <a:rPr lang="pl-PL" sz="2200" dirty="0" err="1">
-                <a:solidFill>
-                  <a:schemeClr val="bg1">
-                    <a:alpha val="70000"/>
-                  </a:schemeClr>
-                </a:solidFill>
-              </a:rPr>
-              <a:t>filed</a:t>
-            </a:r>
-            <a:r>
-              <a:rPr lang="pl-PL" sz="2200" dirty="0">
-                <a:solidFill>
-                  <a:schemeClr val="bg1">
-                    <a:alpha val="70000"/>
-                  </a:schemeClr>
-                </a:solidFill>
-              </a:rPr>
-              <a:t> a </a:t>
-            </a:r>
-            <a:r>
-              <a:rPr lang="pl-PL" sz="2200" dirty="0" err="1">
-                <a:solidFill>
-                  <a:schemeClr val="bg1">
-                    <a:alpha val="70000"/>
-                  </a:schemeClr>
-                </a:solidFill>
-              </a:rPr>
-              <a:t>chargeback</a:t>
-            </a:r>
-            <a:r>
-              <a:rPr lang="pl-PL" sz="2200" dirty="0">
-                <a:solidFill>
-                  <a:schemeClr val="bg1">
-                    <a:alpha val="70000"/>
-                  </a:schemeClr>
-                </a:solidFill>
-              </a:rPr>
-              <a:t> </a:t>
-            </a:r>
-            <a:r>
-              <a:rPr lang="pl-PL" sz="2200" dirty="0" err="1">
-                <a:solidFill>
-                  <a:schemeClr val="bg1">
-                    <a:alpha val="70000"/>
-                  </a:schemeClr>
-                </a:solidFill>
-              </a:rPr>
-              <a:t>under</a:t>
-            </a:r>
-            <a:r>
-              <a:rPr lang="pl-PL" sz="2200" dirty="0">
-                <a:solidFill>
-                  <a:schemeClr val="bg1">
-                    <a:alpha val="70000"/>
-                  </a:schemeClr>
-                </a:solidFill>
-              </a:rPr>
-              <a:t> </a:t>
-            </a:r>
-            <a:r>
-              <a:rPr lang="pl-PL" sz="2200" dirty="0" err="1">
-                <a:solidFill>
-                  <a:schemeClr val="bg1">
-                    <a:alpha val="70000"/>
-                  </a:schemeClr>
-                </a:solidFill>
-              </a:rPr>
-              <a:t>false</a:t>
-            </a:r>
-            <a:r>
-              <a:rPr lang="pl-PL" sz="2200" dirty="0">
-                <a:solidFill>
-                  <a:schemeClr val="bg1">
-                    <a:alpha val="70000"/>
-                  </a:schemeClr>
-                </a:solidFill>
-              </a:rPr>
-              <a:t> </a:t>
-            </a:r>
-            <a:r>
-              <a:rPr lang="pl-PL" sz="2200" dirty="0" err="1">
-                <a:solidFill>
-                  <a:schemeClr val="bg1">
-                    <a:alpha val="70000"/>
-                  </a:schemeClr>
-                </a:solidFill>
-              </a:rPr>
-              <a:t>pretences</a:t>
-            </a:r>
-            <a:r>
-              <a:rPr lang="pl-PL" sz="2200" dirty="0">
-                <a:solidFill>
-                  <a:schemeClr val="bg1">
-                    <a:alpha val="70000"/>
-                  </a:schemeClr>
-                </a:solidFill>
-              </a:rPr>
-              <a:t> </a:t>
-            </a:r>
-            <a:r>
-              <a:rPr lang="pl-PL" sz="2200" dirty="0" err="1">
-                <a:solidFill>
-                  <a:schemeClr val="bg1">
-                    <a:alpha val="70000"/>
-                  </a:schemeClr>
-                </a:solidFill>
-              </a:rPr>
-              <a:t>before</a:t>
-            </a:r>
-            <a:r>
-              <a:rPr lang="pl-PL" sz="2200" dirty="0">
-                <a:solidFill>
-                  <a:schemeClr val="bg1">
-                    <a:alpha val="70000"/>
-                  </a:schemeClr>
-                </a:solidFill>
-              </a:rPr>
-              <a:t>.</a:t>
-            </a:r>
-          </a:p>
-          <a:p>
-            <a:r>
-              <a:rPr lang="pl-PL" sz="2200" dirty="0" err="1">
-                <a:solidFill>
-                  <a:schemeClr val="bg1">
-                    <a:alpha val="70000"/>
-                  </a:schemeClr>
-                </a:solidFill>
-              </a:rPr>
-              <a:t>Investigate</a:t>
-            </a:r>
-            <a:r>
-              <a:rPr lang="pl-PL" sz="2200" dirty="0">
-                <a:solidFill>
-                  <a:schemeClr val="bg1">
-                    <a:alpha val="70000"/>
-                  </a:schemeClr>
-                </a:solidFill>
-              </a:rPr>
-              <a:t> </a:t>
-            </a:r>
-            <a:r>
-              <a:rPr lang="pl-PL" sz="2200" dirty="0" err="1">
-                <a:solidFill>
-                  <a:schemeClr val="bg1">
-                    <a:alpha val="70000"/>
-                  </a:schemeClr>
-                </a:solidFill>
-              </a:rPr>
-              <a:t>customers</a:t>
-            </a:r>
-            <a:r>
-              <a:rPr lang="pl-PL" sz="2200" dirty="0">
-                <a:solidFill>
-                  <a:schemeClr val="bg1">
-                    <a:alpha val="70000"/>
-                  </a:schemeClr>
-                </a:solidFill>
-              </a:rPr>
-              <a:t> </a:t>
-            </a:r>
-            <a:r>
-              <a:rPr lang="pl-PL" sz="2200" dirty="0" err="1">
-                <a:solidFill>
-                  <a:schemeClr val="bg1">
-                    <a:alpha val="70000"/>
-                  </a:schemeClr>
-                </a:solidFill>
-              </a:rPr>
-              <a:t>making</a:t>
-            </a:r>
-            <a:r>
-              <a:rPr lang="pl-PL" sz="2200" dirty="0">
-                <a:solidFill>
-                  <a:schemeClr val="bg1">
-                    <a:alpha val="70000"/>
-                  </a:schemeClr>
-                </a:solidFill>
-              </a:rPr>
-              <a:t> </a:t>
-            </a:r>
-            <a:r>
-              <a:rPr lang="pl-PL" sz="2200" dirty="0" err="1">
-                <a:solidFill>
-                  <a:schemeClr val="bg1">
-                    <a:alpha val="70000"/>
-                  </a:schemeClr>
-                </a:solidFill>
-              </a:rPr>
-              <a:t>transactions</a:t>
-            </a:r>
-            <a:r>
-              <a:rPr lang="pl-PL" sz="2200" dirty="0">
-                <a:solidFill>
-                  <a:schemeClr val="bg1">
-                    <a:alpha val="70000"/>
-                  </a:schemeClr>
-                </a:solidFill>
-              </a:rPr>
-              <a:t> from Panama </a:t>
-            </a:r>
-            <a:r>
-              <a:rPr lang="pl-PL" sz="2200" dirty="0" err="1">
-                <a:solidFill>
-                  <a:schemeClr val="bg1">
-                    <a:alpha val="70000"/>
-                  </a:schemeClr>
-                </a:solidFill>
-              </a:rPr>
-              <a:t>that</a:t>
-            </a:r>
-            <a:r>
-              <a:rPr lang="pl-PL" sz="2200" dirty="0">
-                <a:solidFill>
-                  <a:schemeClr val="bg1">
-                    <a:alpha val="70000"/>
-                  </a:schemeClr>
-                </a:solidFill>
-              </a:rPr>
-              <a:t> </a:t>
-            </a:r>
-            <a:r>
-              <a:rPr lang="pl-PL" sz="2200" dirty="0" err="1">
-                <a:solidFill>
-                  <a:schemeClr val="bg1">
-                    <a:alpha val="70000"/>
-                  </a:schemeClr>
-                </a:solidFill>
-              </a:rPr>
-              <a:t>have</a:t>
-            </a:r>
-            <a:r>
-              <a:rPr lang="pl-PL" sz="2200" dirty="0">
-                <a:solidFill>
-                  <a:schemeClr val="bg1">
-                    <a:alpha val="70000"/>
-                  </a:schemeClr>
-                </a:solidFill>
-              </a:rPr>
-              <a:t> </a:t>
-            </a:r>
-            <a:r>
-              <a:rPr lang="pl-PL" sz="2200" dirty="0" err="1">
-                <a:solidFill>
-                  <a:schemeClr val="bg1">
-                    <a:alpha val="70000"/>
-                  </a:schemeClr>
-                </a:solidFill>
-              </a:rPr>
-              <a:t>their</a:t>
-            </a:r>
-            <a:r>
-              <a:rPr lang="pl-PL" sz="2200" dirty="0">
-                <a:solidFill>
-                  <a:schemeClr val="bg1">
-                    <a:alpha val="70000"/>
-                  </a:schemeClr>
-                </a:solidFill>
-              </a:rPr>
-              <a:t> </a:t>
-            </a:r>
-            <a:r>
-              <a:rPr lang="pl-PL" sz="2200" dirty="0" err="1">
-                <a:solidFill>
-                  <a:schemeClr val="bg1">
-                    <a:alpha val="70000"/>
-                  </a:schemeClr>
-                </a:solidFill>
-              </a:rPr>
-              <a:t>cards</a:t>
-            </a:r>
-            <a:r>
-              <a:rPr lang="pl-PL" sz="2200" dirty="0">
-                <a:solidFill>
-                  <a:schemeClr val="bg1">
-                    <a:alpha val="70000"/>
-                  </a:schemeClr>
-                </a:solidFill>
-              </a:rPr>
-              <a:t> </a:t>
-            </a:r>
-            <a:r>
-              <a:rPr lang="pl-PL" sz="2200" dirty="0" err="1">
-                <a:solidFill>
-                  <a:schemeClr val="bg1">
-                    <a:alpha val="70000"/>
-                  </a:schemeClr>
-                </a:solidFill>
-              </a:rPr>
-              <a:t>registered</a:t>
-            </a:r>
-            <a:r>
-              <a:rPr lang="pl-PL" sz="2200" dirty="0">
-                <a:solidFill>
-                  <a:schemeClr val="bg1">
-                    <a:alpha val="70000"/>
-                  </a:schemeClr>
-                </a:solidFill>
-              </a:rPr>
-              <a:t> in the United </a:t>
-            </a:r>
-            <a:r>
-              <a:rPr lang="pl-PL" sz="2200" dirty="0" err="1">
-                <a:solidFill>
-                  <a:schemeClr val="bg1">
-                    <a:alpha val="70000"/>
-                  </a:schemeClr>
-                </a:solidFill>
-              </a:rPr>
-              <a:t>States</a:t>
-            </a:r>
-            <a:r>
-              <a:rPr lang="pl-PL" sz="2200" dirty="0">
-                <a:solidFill>
-                  <a:schemeClr val="bg1">
-                    <a:alpha val="70000"/>
-                  </a:schemeClr>
-                </a:solidFill>
-              </a:rPr>
-              <a:t> – </a:t>
-            </a:r>
-            <a:r>
-              <a:rPr lang="pl-PL" sz="2200" dirty="0" err="1">
-                <a:solidFill>
-                  <a:schemeClr val="bg1">
-                    <a:alpha val="70000"/>
-                  </a:schemeClr>
-                </a:solidFill>
-              </a:rPr>
-              <a:t>it</a:t>
-            </a:r>
-            <a:r>
-              <a:rPr lang="pl-PL" sz="2200" dirty="0">
-                <a:solidFill>
-                  <a:schemeClr val="bg1">
-                    <a:alpha val="70000"/>
-                  </a:schemeClr>
-                </a:solidFill>
-              </a:rPr>
-              <a:t> </a:t>
-            </a:r>
-            <a:r>
-              <a:rPr lang="pl-PL" sz="2200" dirty="0" err="1">
-                <a:solidFill>
-                  <a:schemeClr val="bg1">
-                    <a:alpha val="70000"/>
-                  </a:schemeClr>
-                </a:solidFill>
-              </a:rPr>
-              <a:t>is</a:t>
-            </a:r>
-            <a:r>
-              <a:rPr lang="pl-PL" sz="2200" dirty="0">
-                <a:solidFill>
-                  <a:schemeClr val="bg1">
-                    <a:alpha val="70000"/>
-                  </a:schemeClr>
-                </a:solidFill>
-              </a:rPr>
-              <a:t> </a:t>
-            </a:r>
-            <a:r>
-              <a:rPr lang="pl-PL" sz="2200" dirty="0" err="1">
-                <a:solidFill>
-                  <a:schemeClr val="bg1">
-                    <a:alpha val="70000"/>
-                  </a:schemeClr>
-                </a:solidFill>
-              </a:rPr>
-              <a:t>likely</a:t>
-            </a:r>
-            <a:r>
-              <a:rPr lang="pl-PL" sz="2200" dirty="0">
-                <a:solidFill>
-                  <a:schemeClr val="bg1">
-                    <a:alpha val="70000"/>
-                  </a:schemeClr>
-                </a:solidFill>
-              </a:rPr>
-              <a:t> </a:t>
-            </a:r>
-            <a:r>
-              <a:rPr lang="pl-PL" sz="2200" dirty="0" err="1">
-                <a:solidFill>
-                  <a:schemeClr val="bg1">
-                    <a:alpha val="70000"/>
-                  </a:schemeClr>
-                </a:solidFill>
-              </a:rPr>
-              <a:t>that</a:t>
-            </a:r>
-            <a:r>
-              <a:rPr lang="pl-PL" sz="2200" dirty="0">
-                <a:solidFill>
-                  <a:schemeClr val="bg1">
-                    <a:alpha val="70000"/>
-                  </a:schemeClr>
-                </a:solidFill>
-              </a:rPr>
-              <a:t> a </a:t>
-            </a:r>
-            <a:r>
-              <a:rPr lang="pl-PL" sz="2200" dirty="0" err="1">
-                <a:solidFill>
-                  <a:schemeClr val="bg1">
-                    <a:alpha val="70000"/>
-                  </a:schemeClr>
-                </a:solidFill>
-              </a:rPr>
-              <a:t>significant</a:t>
-            </a:r>
-            <a:r>
-              <a:rPr lang="pl-PL" sz="2200" dirty="0">
-                <a:solidFill>
-                  <a:schemeClr val="bg1">
-                    <a:alpha val="70000"/>
-                  </a:schemeClr>
-                </a:solidFill>
-              </a:rPr>
-              <a:t> </a:t>
-            </a:r>
-            <a:r>
-              <a:rPr lang="pl-PL" sz="2200" dirty="0" err="1">
-                <a:solidFill>
-                  <a:schemeClr val="bg1">
-                    <a:alpha val="70000"/>
-                  </a:schemeClr>
-                </a:solidFill>
-              </a:rPr>
-              <a:t>number</a:t>
-            </a:r>
-            <a:r>
-              <a:rPr lang="pl-PL" sz="2200" dirty="0">
-                <a:solidFill>
-                  <a:schemeClr val="bg1">
-                    <a:alpha val="70000"/>
-                  </a:schemeClr>
-                </a:solidFill>
-              </a:rPr>
-              <a:t> of </a:t>
-            </a:r>
-            <a:r>
-              <a:rPr lang="pl-PL" sz="2200" dirty="0" err="1">
-                <a:solidFill>
-                  <a:schemeClr val="bg1">
-                    <a:alpha val="70000"/>
-                  </a:schemeClr>
-                </a:solidFill>
-              </a:rPr>
-              <a:t>them</a:t>
-            </a:r>
-            <a:r>
-              <a:rPr lang="pl-PL" sz="2200" dirty="0">
-                <a:solidFill>
-                  <a:schemeClr val="bg1">
-                    <a:alpha val="70000"/>
-                  </a:schemeClr>
-                </a:solidFill>
-              </a:rPr>
-              <a:t> </a:t>
-            </a:r>
-            <a:r>
-              <a:rPr lang="pl-PL" sz="2200" dirty="0" err="1">
-                <a:solidFill>
-                  <a:schemeClr val="bg1">
-                    <a:alpha val="70000"/>
-                  </a:schemeClr>
-                </a:solidFill>
-              </a:rPr>
-              <a:t>abuses</a:t>
-            </a:r>
-            <a:r>
-              <a:rPr lang="pl-PL" sz="2200" dirty="0">
-                <a:solidFill>
-                  <a:schemeClr val="bg1">
-                    <a:alpha val="70000"/>
-                  </a:schemeClr>
-                </a:solidFill>
-              </a:rPr>
-              <a:t> </a:t>
-            </a:r>
-            <a:r>
-              <a:rPr lang="pl-PL" sz="2200" dirty="0" err="1">
-                <a:solidFill>
-                  <a:schemeClr val="bg1">
-                    <a:alpha val="70000"/>
-                  </a:schemeClr>
-                </a:solidFill>
-              </a:rPr>
-              <a:t>their</a:t>
-            </a:r>
-            <a:r>
-              <a:rPr lang="pl-PL" sz="2200" dirty="0">
-                <a:solidFill>
-                  <a:schemeClr val="bg1">
-                    <a:alpha val="70000"/>
-                  </a:schemeClr>
-                </a:solidFill>
-              </a:rPr>
-              <a:t> </a:t>
-            </a:r>
-            <a:r>
-              <a:rPr lang="pl-PL" sz="2200" dirty="0" err="1">
-                <a:solidFill>
-                  <a:schemeClr val="bg1">
-                    <a:alpha val="70000"/>
-                  </a:schemeClr>
-                </a:solidFill>
-              </a:rPr>
-              <a:t>rights</a:t>
-            </a:r>
-            <a:r>
-              <a:rPr lang="pl-PL" sz="2200" dirty="0">
-                <a:solidFill>
-                  <a:schemeClr val="bg1">
-                    <a:alpha val="70000"/>
-                  </a:schemeClr>
-                </a:solidFill>
-              </a:rPr>
-              <a:t> to </a:t>
-            </a:r>
-            <a:r>
-              <a:rPr lang="pl-PL" sz="2200" dirty="0" err="1">
-                <a:solidFill>
-                  <a:schemeClr val="bg1">
-                    <a:alpha val="70000"/>
-                  </a:schemeClr>
-                </a:solidFill>
-              </a:rPr>
-              <a:t>chargeback</a:t>
-            </a:r>
-            <a:r>
-              <a:rPr lang="pl-PL" sz="2200" dirty="0">
-                <a:solidFill>
-                  <a:schemeClr val="bg1">
-                    <a:alpha val="70000"/>
-                  </a:schemeClr>
-                </a:solidFill>
-              </a:rPr>
-              <a:t> </a:t>
-            </a:r>
-            <a:r>
-              <a:rPr lang="pl-PL" sz="2200" dirty="0" err="1">
-                <a:solidFill>
-                  <a:schemeClr val="bg1">
-                    <a:alpha val="70000"/>
-                  </a:schemeClr>
-                </a:solidFill>
-              </a:rPr>
-              <a:t>claims</a:t>
-            </a:r>
-            <a:r>
-              <a:rPr lang="pl-PL" sz="2200" dirty="0">
-                <a:solidFill>
-                  <a:schemeClr val="bg1">
-                    <a:alpha val="70000"/>
-                  </a:schemeClr>
-                </a:solidFill>
-              </a:rPr>
-              <a:t>.</a:t>
-            </a:r>
-          </a:p>
-          <a:p>
-            <a:endParaRPr lang="pl-PL" sz="2300" dirty="0">
-              <a:solidFill>
-                <a:schemeClr val="bg1">
-                  <a:alpha val="70000"/>
-                </a:schemeClr>
-              </a:solidFill>
-            </a:endParaRPr>
-          </a:p>
-          <a:p>
-            <a:pPr marL="0" indent="0">
-              <a:buNone/>
-            </a:pPr>
-            <a:endParaRPr lang="pl-PL" sz="2300" dirty="0">
-              <a:solidFill>
-                <a:schemeClr val="bg1">
-                  <a:alpha val="70000"/>
-                </a:schemeClr>
-              </a:solidFill>
-            </a:endParaRPr>
-          </a:p>
-          <a:p>
-            <a:endParaRPr lang="pl-PL" sz="2300" dirty="0">
-              <a:solidFill>
-                <a:schemeClr val="bg1">
-                  <a:alpha val="70000"/>
-                </a:schemeClr>
-              </a:solidFill>
-            </a:endParaRPr>
-          </a:p>
-          <a:p>
-            <a:endParaRPr lang="pl-PL" sz="2300" dirty="0">
-              <a:solidFill>
-                <a:schemeClr val="bg1">
-                  <a:alpha val="70000"/>
-                </a:schemeClr>
-              </a:solidFill>
-            </a:endParaRPr>
-          </a:p>
-        </p:txBody>
-      </p:sp>
-    </p:spTree>
-    <p:extLst>
-      <p:ext uri="{BB962C8B-B14F-4D97-AF65-F5344CB8AC3E}">
-        <p14:creationId xmlns:p14="http://schemas.microsoft.com/office/powerpoint/2010/main" val="3649638929"/>
-      </p:ext>
-    </p:extLst>
-  </p:cSld>
-  <p:clrMapOvr>
-    <a:masterClrMapping/>
-  </p:clrMapOvr>
-  <p:timing>
-    <p:tnLst>
-      <p:par>
-        <p:cTn id="1" dur="indefinite" restart="never" nodeType="tmRoot">
-          <p:childTnLst>
-            <p:seq concurrent="1" nextAc="seek">
-              <p:cTn id="2" dur="indefinite" nodeType="mainSeq">
-                <p:childTnLst>
-                  <p:par>
-                    <p:cTn id="3" fill="hold">
-                      <p:stCondLst>
-                        <p:cond delay="indefinite"/>
-                        <p:cond evt="onBegin" delay="0">
-                          <p:tn val="2"/>
-                        </p:cond>
-                      </p:stCondLst>
-                      <p:childTnLst>
-                        <p:par>
-                          <p:cTn id="4" fill="hold">
-                            <p:stCondLst>
-                              <p:cond delay="0"/>
-                            </p:stCondLst>
-                            <p:childTnLst>
-                              <p:par>
-                                <p:cTn id="5" presetID="42" presetClass="entr" presetSubtype="0" fill="hold" grpId="0" nodeType="withEffect">
-                                  <p:stCondLst>
-                                    <p:cond delay="0"/>
-                                  </p:stCondLst>
-                                  <p:childTnLst>
-                                    <p:set>
-                                      <p:cBhvr>
-                                        <p:cTn id="6" dur="1" fill="hold">
-                                          <p:stCondLst>
-                                            <p:cond delay="0"/>
-                                          </p:stCondLst>
-                                        </p:cTn>
-                                        <p:tgtEl>
-                                          <p:spTgt spid="3">
-                                            <p:txEl>
-                                              <p:pRg st="0" end="0"/>
-                                            </p:txEl>
-                                          </p:spTgt>
-                                        </p:tgtEl>
-                                        <p:attrNameLst>
-                                          <p:attrName>style.visibility</p:attrName>
-                                        </p:attrNameLst>
-                                      </p:cBhvr>
-                                      <p:to>
-                                        <p:strVal val="visible"/>
-                                      </p:to>
-                                    </p:set>
-                                    <p:animEffect transition="in" filter="fade">
-                                      <p:cBhvr>
-                                        <p:cTn id="7" dur="1000"/>
-                                        <p:tgtEl>
-                                          <p:spTgt spid="3">
-                                            <p:txEl>
-                                              <p:pRg st="0" end="0"/>
-                                            </p:txEl>
-                                          </p:spTgt>
-                                        </p:tgtEl>
-                                      </p:cBhvr>
-                                    </p:animEffect>
-                                    <p:anim calcmode="lin" valueType="num">
-                                      <p:cBhvr>
-                                        <p:cTn id="8" dur="1000" fill="hold"/>
-                                        <p:tgtEl>
-                                          <p:spTgt spid="3">
-                                            <p:txEl>
-                                              <p:pRg st="0" end="0"/>
-                                            </p:txEl>
-                                          </p:spTgt>
-                                        </p:tgtEl>
-                                        <p:attrNameLst>
-                                          <p:attrName>ppt_x</p:attrName>
-                                        </p:attrNameLst>
-                                      </p:cBhvr>
-                                      <p:tavLst>
-                                        <p:tav tm="0">
-                                          <p:val>
-                                            <p:strVal val="#ppt_x"/>
-                                          </p:val>
-                                        </p:tav>
-                                        <p:tav tm="100000">
-                                          <p:val>
-                                            <p:strVal val="#ppt_x"/>
-                                          </p:val>
-                                        </p:tav>
-                                      </p:tavLst>
-                                    </p:anim>
-                                    <p:anim calcmode="lin" valueType="num">
-                                      <p:cBhvr>
-                                        <p:cTn id="9" dur="1000" fill="hold"/>
-                                        <p:tgtEl>
-                                          <p:spTgt spid="3">
-                                            <p:txEl>
-                                              <p:pRg st="0" end="0"/>
-                                            </p:txEl>
-                                          </p:spTgt>
-                                        </p:tgtEl>
-                                        <p:attrNameLst>
-                                          <p:attrName>ppt_y</p:attrName>
-                                        </p:attrNameLst>
-                                      </p:cBhvr>
-                                      <p:tavLst>
-                                        <p:tav tm="0">
-                                          <p:val>
-                                            <p:strVal val="#ppt_y+.1"/>
-                                          </p:val>
-                                        </p:tav>
-                                        <p:tav tm="100000">
-                                          <p:val>
-                                            <p:strVal val="#ppt_y"/>
-                                          </p:val>
-                                        </p:tav>
-                                      </p:tavLst>
-                                    </p:anim>
-                                  </p:childTnLst>
-                                </p:cTn>
-                              </p:par>
-                            </p:childTnLst>
-                          </p:cTn>
-                        </p:par>
-                      </p:childTnLst>
-                    </p:cTn>
-                  </p:par>
-                  <p:par>
-                    <p:cTn id="10" fill="hold">
-                      <p:stCondLst>
-                        <p:cond delay="indefinite"/>
-                      </p:stCondLst>
-                      <p:childTnLst>
-                        <p:par>
-                          <p:cTn id="11" fill="hold">
-                            <p:stCondLst>
-                              <p:cond delay="0"/>
-                            </p:stCondLst>
-                            <p:childTnLst>
-                              <p:par>
-                                <p:cTn id="12" presetID="42" presetClass="entr" presetSubtype="0" fill="hold" grpId="0" nodeType="clickEffect">
-                                  <p:stCondLst>
-                                    <p:cond delay="0"/>
-                                  </p:stCondLst>
-                                  <p:childTnLst>
-                                    <p:set>
-                                      <p:cBhvr>
-                                        <p:cTn id="13" dur="1" fill="hold">
-                                          <p:stCondLst>
-                                            <p:cond delay="0"/>
-                                          </p:stCondLst>
-                                        </p:cTn>
-                                        <p:tgtEl>
-                                          <p:spTgt spid="3">
-                                            <p:txEl>
-                                              <p:pRg st="1" end="1"/>
-                                            </p:txEl>
-                                          </p:spTgt>
-                                        </p:tgtEl>
-                                        <p:attrNameLst>
-                                          <p:attrName>style.visibility</p:attrName>
-                                        </p:attrNameLst>
-                                      </p:cBhvr>
-                                      <p:to>
-                                        <p:strVal val="visible"/>
-                                      </p:to>
-                                    </p:set>
-                                    <p:animEffect transition="in" filter="fade">
-                                      <p:cBhvr>
-                                        <p:cTn id="14" dur="1000"/>
-                                        <p:tgtEl>
-                                          <p:spTgt spid="3">
-                                            <p:txEl>
-                                              <p:pRg st="1" end="1"/>
-                                            </p:txEl>
-                                          </p:spTgt>
-                                        </p:tgtEl>
-                                      </p:cBhvr>
-                                    </p:animEffect>
-                                    <p:anim calcmode="lin" valueType="num">
-                                      <p:cBhvr>
-                                        <p:cTn id="15" dur="1000" fill="hold"/>
-                                        <p:tgtEl>
-                                          <p:spTgt spid="3">
-                                            <p:txEl>
-                                              <p:pRg st="1" end="1"/>
-                                            </p:txEl>
-                                          </p:spTgt>
-                                        </p:tgtEl>
-                                        <p:attrNameLst>
-                                          <p:attrName>ppt_x</p:attrName>
-                                        </p:attrNameLst>
-                                      </p:cBhvr>
-                                      <p:tavLst>
-                                        <p:tav tm="0">
-                                          <p:val>
-                                            <p:strVal val="#ppt_x"/>
-                                          </p:val>
-                                        </p:tav>
-                                        <p:tav tm="100000">
-                                          <p:val>
-                                            <p:strVal val="#ppt_x"/>
-                                          </p:val>
-                                        </p:tav>
-                                      </p:tavLst>
-                                    </p:anim>
-                                    <p:anim calcmode="lin" valueType="num">
-                                      <p:cBhvr>
-                                        <p:cTn id="16" dur="1000" fill="hold"/>
-                                        <p:tgtEl>
-                                          <p:spTgt spid="3">
-                                            <p:txEl>
-                                              <p:pRg st="1" end="1"/>
-                                            </p:txEl>
-                                          </p:spTgt>
-                                        </p:tgtEl>
-                                        <p:attrNameLst>
-                                          <p:attrName>ppt_y</p:attrName>
-                                        </p:attrNameLst>
-                                      </p:cBhvr>
-                                      <p:tavLst>
-                                        <p:tav tm="0">
-                                          <p:val>
-                                            <p:strVal val="#ppt_y+.1"/>
-                                          </p:val>
-                                        </p:tav>
-                                        <p:tav tm="100000">
-                                          <p:val>
-                                            <p:strVal val="#ppt_y"/>
-                                          </p:val>
-                                        </p:tav>
-                                      </p:tavLst>
-                                    </p:anim>
-                                  </p:childTnLst>
-                                </p:cTn>
-                              </p:par>
-                            </p:childTnLst>
-                          </p:cTn>
-                        </p:par>
-                      </p:childTnLst>
-                    </p:cTn>
-                  </p:par>
-                  <p:par>
-                    <p:cTn id="17" fill="hold">
-                      <p:stCondLst>
-                        <p:cond delay="indefinite"/>
-                      </p:stCondLst>
-                      <p:childTnLst>
-                        <p:par>
-                          <p:cTn id="18" fill="hold">
-                            <p:stCondLst>
-                              <p:cond delay="0"/>
-                            </p:stCondLst>
-                            <p:childTnLst>
-                              <p:par>
-                                <p:cTn id="19" presetID="42" presetClass="entr" presetSubtype="0" fill="hold" grpId="0" nodeType="clickEffect">
-                                  <p:stCondLst>
-                                    <p:cond delay="0"/>
-                                  </p:stCondLst>
-                                  <p:childTnLst>
-                                    <p:set>
-                                      <p:cBhvr>
-                                        <p:cTn id="20" dur="1" fill="hold">
-                                          <p:stCondLst>
-                                            <p:cond delay="0"/>
-                                          </p:stCondLst>
-                                        </p:cTn>
-                                        <p:tgtEl>
-                                          <p:spTgt spid="3">
-                                            <p:txEl>
-                                              <p:pRg st="2" end="2"/>
-                                            </p:txEl>
-                                          </p:spTgt>
-                                        </p:tgtEl>
-                                        <p:attrNameLst>
-                                          <p:attrName>style.visibility</p:attrName>
-                                        </p:attrNameLst>
-                                      </p:cBhvr>
-                                      <p:to>
-                                        <p:strVal val="visible"/>
-                                      </p:to>
-                                    </p:set>
-                                    <p:animEffect transition="in" filter="fade">
-                                      <p:cBhvr>
-                                        <p:cTn id="21" dur="1000"/>
-                                        <p:tgtEl>
-                                          <p:spTgt spid="3">
-                                            <p:txEl>
-                                              <p:pRg st="2" end="2"/>
-                                            </p:txEl>
-                                          </p:spTgt>
-                                        </p:tgtEl>
-                                      </p:cBhvr>
-                                    </p:animEffect>
-                                    <p:anim calcmode="lin" valueType="num">
-                                      <p:cBhvr>
-                                        <p:cTn id="22" dur="1000" fill="hold"/>
-                                        <p:tgtEl>
-                                          <p:spTgt spid="3">
-                                            <p:txEl>
-                                              <p:pRg st="2" end="2"/>
-                                            </p:txEl>
-                                          </p:spTgt>
-                                        </p:tgtEl>
-                                        <p:attrNameLst>
-                                          <p:attrName>ppt_x</p:attrName>
-                                        </p:attrNameLst>
-                                      </p:cBhvr>
-                                      <p:tavLst>
-                                        <p:tav tm="0">
-                                          <p:val>
-                                            <p:strVal val="#ppt_x"/>
-                                          </p:val>
-                                        </p:tav>
-                                        <p:tav tm="100000">
-                                          <p:val>
-                                            <p:strVal val="#ppt_x"/>
-                                          </p:val>
-                                        </p:tav>
-                                      </p:tavLst>
-                                    </p:anim>
-                                    <p:anim calcmode="lin" valueType="num">
-                                      <p:cBhvr>
-                                        <p:cTn id="23" dur="1000" fill="hold"/>
-                                        <p:tgtEl>
-                                          <p:spTgt spid="3">
-                                            <p:txEl>
-                                              <p:pRg st="2" end="2"/>
-                                            </p:txEl>
-                                          </p:spTgt>
-                                        </p:tgtEl>
-                                        <p:attrNameLst>
-                                          <p:attrName>ppt_y</p:attrName>
-                                        </p:attrNameLst>
-                                      </p:cBhvr>
-                                      <p:tavLst>
-                                        <p:tav tm="0">
-                                          <p:val>
-                                            <p:strVal val="#ppt_y+.1"/>
-                                          </p:val>
-                                        </p:tav>
-                                        <p:tav tm="100000">
-                                          <p:val>
-                                            <p:strVal val="#ppt_y"/>
-                                          </p:val>
-                                        </p:tav>
-                                      </p:tavLst>
-                                    </p:anim>
-                                  </p:childTnLst>
-                                </p:cTn>
-                              </p:par>
-                            </p:childTnLst>
-                          </p:cTn>
-                        </p:par>
-                      </p:childTnLst>
-                    </p:cTn>
-                  </p:par>
-                  <p:par>
-                    <p:cTn id="24" fill="hold">
-                      <p:stCondLst>
-                        <p:cond delay="indefinite"/>
-                      </p:stCondLst>
-                      <p:childTnLst>
-                        <p:par>
-                          <p:cTn id="25" fill="hold">
-                            <p:stCondLst>
-                              <p:cond delay="0"/>
-                            </p:stCondLst>
-                            <p:childTnLst>
-                              <p:par>
-                                <p:cTn id="26" presetID="42" presetClass="entr" presetSubtype="0" fill="hold" grpId="0" nodeType="clickEffect">
-                                  <p:stCondLst>
-                                    <p:cond delay="0"/>
-                                  </p:stCondLst>
-                                  <p:childTnLst>
-                                    <p:set>
-                                      <p:cBhvr>
-                                        <p:cTn id="27" dur="1" fill="hold">
-                                          <p:stCondLst>
-                                            <p:cond delay="0"/>
-                                          </p:stCondLst>
-                                        </p:cTn>
-                                        <p:tgtEl>
-                                          <p:spTgt spid="3">
-                                            <p:txEl>
-                                              <p:pRg st="3" end="3"/>
-                                            </p:txEl>
-                                          </p:spTgt>
-                                        </p:tgtEl>
-                                        <p:attrNameLst>
-                                          <p:attrName>style.visibility</p:attrName>
-                                        </p:attrNameLst>
-                                      </p:cBhvr>
-                                      <p:to>
-                                        <p:strVal val="visible"/>
-                                      </p:to>
-                                    </p:set>
-                                    <p:animEffect transition="in" filter="fade">
-                                      <p:cBhvr>
-                                        <p:cTn id="28" dur="1000"/>
-                                        <p:tgtEl>
-                                          <p:spTgt spid="3">
-                                            <p:txEl>
-                                              <p:pRg st="3" end="3"/>
-                                            </p:txEl>
-                                          </p:spTgt>
-                                        </p:tgtEl>
-                                      </p:cBhvr>
-                                    </p:animEffect>
-                                    <p:anim calcmode="lin" valueType="num">
-                                      <p:cBhvr>
-                                        <p:cTn id="29" dur="1000" fill="hold"/>
-                                        <p:tgtEl>
-                                          <p:spTgt spid="3">
-                                            <p:txEl>
-                                              <p:pRg st="3" end="3"/>
-                                            </p:txEl>
-                                          </p:spTgt>
-                                        </p:tgtEl>
-                                        <p:attrNameLst>
-                                          <p:attrName>ppt_x</p:attrName>
-                                        </p:attrNameLst>
-                                      </p:cBhvr>
-                                      <p:tavLst>
-                                        <p:tav tm="0">
-                                          <p:val>
-                                            <p:strVal val="#ppt_x"/>
-                                          </p:val>
-                                        </p:tav>
-                                        <p:tav tm="100000">
-                                          <p:val>
-                                            <p:strVal val="#ppt_x"/>
-                                          </p:val>
-                                        </p:tav>
-                                      </p:tavLst>
-                                    </p:anim>
-                                    <p:anim calcmode="lin" valueType="num">
-                                      <p:cBhvr>
-                                        <p:cTn id="30" dur="1000" fill="hold"/>
-                                        <p:tgtEl>
-                                          <p:spTgt spid="3">
-                                            <p:txEl>
-                                              <p:pRg st="3" end="3"/>
-                                            </p:txEl>
-                                          </p:spTgt>
-                                        </p:tgtEl>
-                                        <p:attrNameLst>
-                                          <p:attrName>ppt_y</p:attrName>
-                                        </p:attrNameLst>
-                                      </p:cBhvr>
-                                      <p:tavLst>
-                                        <p:tav tm="0">
-                                          <p:val>
-                                            <p:strVal val="#ppt_y+.1"/>
-                                          </p:val>
-                                        </p:tav>
-                                        <p:tav tm="100000">
-                                          <p:val>
-                                            <p:strVal val="#ppt_y"/>
-                                          </p:val>
-                                        </p:tav>
-                                      </p:tavLst>
-                                    </p:anim>
-                                  </p:childTnLst>
-                                </p:cTn>
-                              </p:par>
-                            </p:childTnLst>
-                          </p:cTn>
-                        </p:par>
-                      </p:childTnLst>
-                    </p:cTn>
-                  </p:par>
-                </p:childTnLst>
-              </p:cTn>
-              <p:prevCondLst>
-                <p:cond evt="onPrev" delay="0">
-                  <p:tgtEl>
-                    <p:sldTgt/>
-                  </p:tgtEl>
-                </p:cond>
-              </p:prevCondLst>
-              <p:nextCondLst>
-                <p:cond evt="onNext" delay="0">
-                  <p:tgtEl>
-                    <p:sldTgt/>
-                  </p:tgtEl>
-                </p:cond>
-              </p:nextCondLst>
-            </p:seq>
-          </p:childTnLst>
-        </p:cTn>
-      </p:par>
-    </p:tnLst>
-    <p:bldLst>
-      <p:bldP spid="3" grpId="0" uiExpand="1" build="p"/>
-    </p:bldLst>
-  </p:timing>
-</p:sld>
-</file>
-
 <file path=ppt/slides/slide2.xml><?xml version="1.0" encoding="utf-8"?>
 <p:sld xmlns:a="http://schemas.openxmlformats.org/drawingml/2006/main" xmlns:r="http://schemas.openxmlformats.org/officeDocument/2006/relationships" xmlns:p="http://schemas.openxmlformats.org/presentationml/2006/main">
   <p:cSld>
@@ -7552,269 +5061,6 @@
 </file>
 
 <file path=ppt/slides/slide3.xml><?xml version="1.0" encoding="utf-8"?>
-<p:sld xmlns:a="http://schemas.openxmlformats.org/drawingml/2006/main" xmlns:r="http://schemas.openxmlformats.org/officeDocument/2006/relationships" xmlns:p="http://schemas.openxmlformats.org/presentationml/2006/main">
-  <p:cSld>
-    <p:bg>
-      <p:bgPr>
-        <a:solidFill>
-          <a:srgbClr val="BE786A"/>
-        </a:solidFill>
-        <a:effectLst/>
-      </p:bgPr>
-    </p:bg>
-    <p:spTree>
-      <p:nvGrpSpPr>
-        <p:cNvPr id="1" name=""/>
-        <p:cNvGrpSpPr/>
-        <p:nvPr/>
-      </p:nvGrpSpPr>
-      <p:grpSpPr>
-        <a:xfrm>
-          <a:off x="0" y="0"/>
-          <a:ext cx="0" cy="0"/>
-          <a:chOff x="0" y="0"/>
-          <a:chExt cx="0" cy="0"/>
-        </a:xfrm>
-      </p:grpSpPr>
-      <p:sp>
-        <p:nvSpPr>
-          <p:cNvPr id="2" name="Tytuł 1">
-            <a:extLst>
-              <a:ext uri="{FF2B5EF4-FFF2-40B4-BE49-F238E27FC236}">
-                <a16:creationId xmlns:a16="http://schemas.microsoft.com/office/drawing/2014/main" id="{0F57E4AC-9032-4665-8D3D-1D8AD826CA79}"/>
-              </a:ext>
-            </a:extLst>
-          </p:cNvPr>
-          <p:cNvSpPr>
-            <a:spLocks noGrp="1"/>
-          </p:cNvSpPr>
-          <p:nvPr>
-            <p:ph type="ctrTitle"/>
-          </p:nvPr>
-        </p:nvSpPr>
-        <p:spPr>
-          <a:xfrm>
-            <a:off x="762000" y="-174661"/>
-            <a:ext cx="10668000" cy="5239821"/>
-          </a:xfrm>
-        </p:spPr>
-        <p:txBody>
-          <a:bodyPr>
-            <a:normAutofit/>
-          </a:bodyPr>
-          <a:lstStyle/>
-          <a:p>
-            <a:r>
-              <a:rPr lang="pl-PL" sz="7200" b="1" dirty="0" err="1">
-                <a:solidFill>
-                  <a:schemeClr val="bg1"/>
-                </a:solidFill>
-              </a:rPr>
-              <a:t>Incorrect</a:t>
-            </a:r>
-            <a:r>
-              <a:rPr lang="pl-PL" sz="7200" b="1" dirty="0">
-                <a:solidFill>
-                  <a:schemeClr val="bg1"/>
-                </a:solidFill>
-              </a:rPr>
-              <a:t> </a:t>
-            </a:r>
-            <a:r>
-              <a:rPr lang="pl-PL" sz="7200" b="1" dirty="0" err="1">
-                <a:solidFill>
-                  <a:schemeClr val="bg1"/>
-                </a:solidFill>
-              </a:rPr>
-              <a:t>amount</a:t>
-            </a:r>
-            <a:r>
-              <a:rPr lang="pl-PL" sz="7200" b="1" dirty="0">
-                <a:solidFill>
-                  <a:schemeClr val="bg1"/>
-                </a:solidFill>
-              </a:rPr>
-              <a:t> </a:t>
-            </a:r>
-            <a:r>
-              <a:rPr lang="pl-PL" sz="7200" b="1" dirty="0" err="1">
-                <a:solidFill>
-                  <a:schemeClr val="bg1"/>
-                </a:solidFill>
-              </a:rPr>
-              <a:t>billed</a:t>
-            </a:r>
-            <a:r>
-              <a:rPr lang="pl-PL" sz="7200" dirty="0">
-                <a:solidFill>
-                  <a:schemeClr val="bg1"/>
-                </a:solidFill>
-              </a:rPr>
-              <a:t> </a:t>
-            </a:r>
-            <a:r>
-              <a:rPr lang="pl-PL" dirty="0">
-                <a:solidFill>
-                  <a:schemeClr val="bg1"/>
-                </a:solidFill>
-              </a:rPr>
-              <a:t>was a </a:t>
-            </a:r>
-            <a:r>
-              <a:rPr lang="pl-PL" dirty="0" err="1">
-                <a:solidFill>
-                  <a:schemeClr val="bg1"/>
-                </a:solidFill>
-              </a:rPr>
-              <a:t>reason</a:t>
-            </a:r>
-            <a:r>
-              <a:rPr lang="pl-PL" dirty="0">
-                <a:solidFill>
-                  <a:schemeClr val="bg1"/>
-                </a:solidFill>
-              </a:rPr>
-              <a:t> </a:t>
-            </a:r>
-            <a:r>
-              <a:rPr lang="pl-PL" dirty="0" err="1">
-                <a:solidFill>
-                  <a:schemeClr val="bg1"/>
-                </a:solidFill>
-              </a:rPr>
-              <a:t>behind</a:t>
-            </a:r>
-            <a:r>
-              <a:rPr lang="pl-PL" dirty="0">
-                <a:solidFill>
-                  <a:schemeClr val="bg1"/>
-                </a:solidFill>
-              </a:rPr>
-              <a:t> </a:t>
-            </a:r>
-            <a:r>
-              <a:rPr lang="pl-PL" dirty="0" err="1">
-                <a:solidFill>
-                  <a:schemeClr val="bg1"/>
-                </a:solidFill>
-              </a:rPr>
-              <a:t>all</a:t>
-            </a:r>
-            <a:r>
-              <a:rPr lang="pl-PL" dirty="0">
-                <a:solidFill>
-                  <a:schemeClr val="bg1"/>
-                </a:solidFill>
-              </a:rPr>
-              <a:t> </a:t>
-            </a:r>
-            <a:br>
-              <a:rPr lang="pl-PL" dirty="0">
-                <a:solidFill>
-                  <a:schemeClr val="bg1"/>
-                </a:solidFill>
-              </a:rPr>
-            </a:br>
-            <a:r>
-              <a:rPr lang="pl-PL" sz="9600" b="1" dirty="0">
-                <a:solidFill>
-                  <a:schemeClr val="bg1"/>
-                </a:solidFill>
-              </a:rPr>
-              <a:t>318</a:t>
-            </a:r>
-            <a:r>
-              <a:rPr lang="pl-PL" sz="9600" dirty="0">
-                <a:solidFill>
-                  <a:schemeClr val="bg1"/>
-                </a:solidFill>
-              </a:rPr>
-              <a:t> </a:t>
-            </a:r>
-            <a:br>
-              <a:rPr lang="pl-PL" dirty="0">
-                <a:solidFill>
-                  <a:schemeClr val="bg1"/>
-                </a:solidFill>
-              </a:rPr>
-            </a:br>
-            <a:r>
-              <a:rPr lang="pl-PL" dirty="0" err="1">
-                <a:solidFill>
-                  <a:schemeClr val="bg1"/>
-                </a:solidFill>
-              </a:rPr>
-              <a:t>reported</a:t>
-            </a:r>
-            <a:r>
-              <a:rPr lang="pl-PL" dirty="0">
-                <a:solidFill>
-                  <a:schemeClr val="bg1"/>
-                </a:solidFill>
-              </a:rPr>
-              <a:t> </a:t>
-            </a:r>
-            <a:r>
-              <a:rPr lang="pl-PL" dirty="0" err="1">
-                <a:solidFill>
-                  <a:schemeClr val="bg1"/>
-                </a:solidFill>
-              </a:rPr>
-              <a:t>chargebacks</a:t>
-            </a:r>
-            <a:r>
-              <a:rPr lang="pl-PL" dirty="0">
-                <a:solidFill>
-                  <a:schemeClr val="bg1"/>
-                </a:solidFill>
-              </a:rPr>
-              <a:t>.</a:t>
-            </a:r>
-          </a:p>
-        </p:txBody>
-      </p:sp>
-      <p:sp>
-        <p:nvSpPr>
-          <p:cNvPr id="3" name="Podtytuł 2">
-            <a:extLst>
-              <a:ext uri="{FF2B5EF4-FFF2-40B4-BE49-F238E27FC236}">
-                <a16:creationId xmlns:a16="http://schemas.microsoft.com/office/drawing/2014/main" id="{11B3C63D-6E80-4237-9097-E06DF13C6B6C}"/>
-              </a:ext>
-            </a:extLst>
-          </p:cNvPr>
-          <p:cNvSpPr>
-            <a:spLocks noGrp="1"/>
-          </p:cNvSpPr>
-          <p:nvPr>
-            <p:ph type="subTitle" idx="1"/>
-          </p:nvPr>
-        </p:nvSpPr>
-        <p:spPr/>
-        <p:txBody>
-          <a:bodyPr/>
-          <a:lstStyle/>
-          <a:p>
-            <a:endParaRPr lang="pl-PL" dirty="0"/>
-          </a:p>
-          <a:p>
-            <a:endParaRPr lang="pl-PL" dirty="0"/>
-          </a:p>
-        </p:txBody>
-      </p:sp>
-    </p:spTree>
-    <p:extLst>
-      <p:ext uri="{BB962C8B-B14F-4D97-AF65-F5344CB8AC3E}">
-        <p14:creationId xmlns:p14="http://schemas.microsoft.com/office/powerpoint/2010/main" val="3522627461"/>
-      </p:ext>
-    </p:extLst>
-  </p:cSld>
-  <p:clrMapOvr>
-    <a:masterClrMapping/>
-  </p:clrMapOvr>
-</p:sld>
-</file>
-
-<file path=ppt/slides/slide4.xml><?xml version="1.0" encoding="utf-8"?>
 <p:sld xmlns:a="http://schemas.openxmlformats.org/drawingml/2006/main" xmlns:r="http://schemas.openxmlformats.org/officeDocument/2006/relationships" xmlns:p="http://schemas.openxmlformats.org/presentationml/2006/main" showMasterSp="0">
   <p:cSld>
     <p:bg>
@@ -9012,7 +6258,7 @@
 </p:sld>
 </file>
 
-<file path=ppt/slides/slide5.xml><?xml version="1.0" encoding="utf-8"?>
+<file path=ppt/slides/slide4.xml><?xml version="1.0" encoding="utf-8"?>
 <p:sld xmlns:a="http://schemas.openxmlformats.org/drawingml/2006/main" xmlns:r="http://schemas.openxmlformats.org/officeDocument/2006/relationships" xmlns:p="http://schemas.openxmlformats.org/presentationml/2006/main" showMasterSp="0">
   <p:cSld>
     <p:bg>
@@ -10394,7 +7640,7 @@
 </p:sld>
 </file>
 
-<file path=ppt/slides/slide6.xml><?xml version="1.0" encoding="utf-8"?>
+<file path=ppt/slides/slide5.xml><?xml version="1.0" encoding="utf-8"?>
 <p:sld xmlns:a="http://schemas.openxmlformats.org/drawingml/2006/main" xmlns:r="http://schemas.openxmlformats.org/officeDocument/2006/relationships" xmlns:p="http://schemas.openxmlformats.org/presentationml/2006/main">
   <p:cSld>
     <p:bg>
@@ -11493,7 +8739,7 @@
 </p:sld>
 </file>
 
-<file path=ppt/slides/slide7.xml><?xml version="1.0" encoding="utf-8"?>
+<file path=ppt/slides/slide6.xml><?xml version="1.0" encoding="utf-8"?>
 <p:sld xmlns:a="http://schemas.openxmlformats.org/drawingml/2006/main" xmlns:r="http://schemas.openxmlformats.org/officeDocument/2006/relationships" xmlns:p="http://schemas.openxmlformats.org/presentationml/2006/main">
   <p:cSld>
     <p:bg>
@@ -12809,7 +10055,7 @@
 </p:sld>
 </file>
 
-<file path=ppt/slides/slide8.xml><?xml version="1.0" encoding="utf-8"?>
+<file path=ppt/slides/slide7.xml><?xml version="1.0" encoding="utf-8"?>
 <p:sld xmlns:a="http://schemas.openxmlformats.org/drawingml/2006/main" xmlns:r="http://schemas.openxmlformats.org/officeDocument/2006/relationships" xmlns:p="http://schemas.openxmlformats.org/presentationml/2006/main">
   <p:cSld>
     <p:bg>
@@ -14448,7 +11694,7 @@
 </p:sld>
 </file>
 
-<file path=ppt/slides/slide9.xml><?xml version="1.0" encoding="utf-8"?>
+<file path=ppt/slides/slide8.xml><?xml version="1.0" encoding="utf-8"?>
 <p:sld xmlns:a="http://schemas.openxmlformats.org/drawingml/2006/main" xmlns:r="http://schemas.openxmlformats.org/officeDocument/2006/relationships" xmlns:p="http://schemas.openxmlformats.org/presentationml/2006/main">
   <p:cSld>
     <p:bg>
@@ -15613,6 +12859,1979 @@
   <p:clrMapOvr>
     <a:masterClrMapping/>
   </p:clrMapOvr>
+</p:sld>
+</file>
+
+<file path=ppt/slides/slide9.xml><?xml version="1.0" encoding="utf-8"?>
+<p:sld xmlns:a="http://schemas.openxmlformats.org/drawingml/2006/main" xmlns:r="http://schemas.openxmlformats.org/officeDocument/2006/relationships" xmlns:p="http://schemas.openxmlformats.org/presentationml/2006/main">
+  <p:cSld>
+    <p:bg>
+      <p:bgPr>
+        <a:solidFill>
+          <a:srgbClr val="BE786A"/>
+        </a:solidFill>
+        <a:effectLst/>
+      </p:bgPr>
+    </p:bg>
+    <p:spTree>
+      <p:nvGrpSpPr>
+        <p:cNvPr id="1" name=""/>
+        <p:cNvGrpSpPr/>
+        <p:nvPr/>
+      </p:nvGrpSpPr>
+      <p:grpSpPr>
+        <a:xfrm>
+          <a:off x="0" y="0"/>
+          <a:ext cx="0" cy="0"/>
+          <a:chOff x="0" y="0"/>
+          <a:chExt cx="0" cy="0"/>
+        </a:xfrm>
+      </p:grpSpPr>
+      <p:sp>
+        <p:nvSpPr>
+          <p:cNvPr id="3" name="Symbol zastępczy zawartości 2">
+            <a:extLst>
+              <a:ext uri="{FF2B5EF4-FFF2-40B4-BE49-F238E27FC236}">
+                <a16:creationId xmlns:a16="http://schemas.microsoft.com/office/drawing/2014/main" id="{46B59F0B-804D-4196-B0E5-801E855A2F74}"/>
+              </a:ext>
+            </a:extLst>
+          </p:cNvPr>
+          <p:cNvSpPr>
+            <a:spLocks noGrp="1"/>
+          </p:cNvSpPr>
+          <p:nvPr>
+            <p:ph idx="1"/>
+          </p:nvPr>
+        </p:nvSpPr>
+        <p:spPr>
+          <a:xfrm>
+            <a:off x="762000" y="274320"/>
+            <a:ext cx="10668000" cy="3818083"/>
+          </a:xfrm>
+        </p:spPr>
+        <p:txBody>
+          <a:bodyPr>
+            <a:noAutofit/>
+          </a:bodyPr>
+          <a:lstStyle/>
+          <a:p>
+            <a:r>
+              <a:rPr lang="pl-PL" sz="2400" dirty="0">
+                <a:solidFill>
+                  <a:schemeClr val="bg1">
+                    <a:alpha val="70000"/>
+                  </a:schemeClr>
+                </a:solidFill>
+              </a:rPr>
+              <a:t>Monitor </a:t>
+            </a:r>
+            <a:r>
+              <a:rPr lang="pl-PL" sz="2400" dirty="0" err="1">
+                <a:solidFill>
+                  <a:schemeClr val="bg1">
+                    <a:alpha val="70000"/>
+                  </a:schemeClr>
+                </a:solidFill>
+              </a:rPr>
+              <a:t>transactions</a:t>
+            </a:r>
+            <a:r>
+              <a:rPr lang="pl-PL" sz="2400" dirty="0">
+                <a:solidFill>
+                  <a:schemeClr val="bg1">
+                    <a:alpha val="70000"/>
+                  </a:schemeClr>
+                </a:solidFill>
+              </a:rPr>
+              <a:t> </a:t>
+            </a:r>
+            <a:r>
+              <a:rPr lang="pl-PL" sz="2400" dirty="0" err="1">
+                <a:solidFill>
+                  <a:schemeClr val="bg1">
+                    <a:alpha val="70000"/>
+                  </a:schemeClr>
+                </a:solidFill>
+              </a:rPr>
+              <a:t>made</a:t>
+            </a:r>
+            <a:r>
+              <a:rPr lang="pl-PL" sz="2400" dirty="0">
+                <a:solidFill>
+                  <a:schemeClr val="bg1">
+                    <a:alpha val="70000"/>
+                  </a:schemeClr>
+                </a:solidFill>
+              </a:rPr>
+              <a:t> by </a:t>
+            </a:r>
+            <a:r>
+              <a:rPr lang="pl-PL" sz="2400" dirty="0" err="1">
+                <a:solidFill>
+                  <a:schemeClr val="bg1">
+                    <a:alpha val="70000"/>
+                  </a:schemeClr>
+                </a:solidFill>
+              </a:rPr>
+              <a:t>customers</a:t>
+            </a:r>
+            <a:r>
+              <a:rPr lang="pl-PL" sz="2400" dirty="0">
+                <a:solidFill>
+                  <a:schemeClr val="bg1">
+                    <a:alpha val="70000"/>
+                  </a:schemeClr>
+                </a:solidFill>
+              </a:rPr>
+              <a:t> from Panama, Russia, Turkey and </a:t>
+            </a:r>
+            <a:r>
+              <a:rPr lang="pl-PL" sz="2400" dirty="0" err="1">
+                <a:solidFill>
+                  <a:schemeClr val="bg1">
+                    <a:alpha val="70000"/>
+                  </a:schemeClr>
+                </a:solidFill>
+              </a:rPr>
+              <a:t>Thailand</a:t>
+            </a:r>
+            <a:r>
+              <a:rPr lang="pl-PL" sz="2400" dirty="0">
+                <a:solidFill>
+                  <a:schemeClr val="bg1">
+                    <a:alpha val="70000"/>
+                  </a:schemeClr>
+                </a:solidFill>
+              </a:rPr>
+              <a:t> – </a:t>
+            </a:r>
+            <a:r>
+              <a:rPr lang="pl-PL" sz="2400" dirty="0" err="1">
+                <a:solidFill>
+                  <a:schemeClr val="bg1">
+                    <a:alpha val="70000"/>
+                  </a:schemeClr>
+                </a:solidFill>
+              </a:rPr>
+              <a:t>reducing</a:t>
+            </a:r>
+            <a:r>
+              <a:rPr lang="pl-PL" sz="2400" dirty="0">
+                <a:solidFill>
+                  <a:schemeClr val="bg1">
+                    <a:alpha val="70000"/>
+                  </a:schemeClr>
+                </a:solidFill>
+              </a:rPr>
+              <a:t> </a:t>
+            </a:r>
+            <a:r>
+              <a:rPr lang="pl-PL" sz="2400" dirty="0" err="1">
+                <a:solidFill>
+                  <a:schemeClr val="bg1">
+                    <a:alpha val="70000"/>
+                  </a:schemeClr>
+                </a:solidFill>
+              </a:rPr>
+              <a:t>their</a:t>
+            </a:r>
+            <a:r>
+              <a:rPr lang="pl-PL" sz="2400" dirty="0">
+                <a:solidFill>
+                  <a:schemeClr val="bg1">
+                    <a:alpha val="70000"/>
+                  </a:schemeClr>
+                </a:solidFill>
+              </a:rPr>
+              <a:t> </a:t>
+            </a:r>
+            <a:r>
+              <a:rPr lang="pl-PL" sz="2400" dirty="0" err="1">
+                <a:solidFill>
+                  <a:schemeClr val="bg1">
+                    <a:alpha val="70000"/>
+                  </a:schemeClr>
+                </a:solidFill>
+              </a:rPr>
+              <a:t>share</a:t>
+            </a:r>
+            <a:r>
+              <a:rPr lang="pl-PL" sz="2400" dirty="0">
+                <a:solidFill>
+                  <a:schemeClr val="bg1">
+                    <a:alpha val="70000"/>
+                  </a:schemeClr>
+                </a:solidFill>
+              </a:rPr>
+              <a:t> in </a:t>
+            </a:r>
+            <a:r>
+              <a:rPr lang="pl-PL" sz="2400" dirty="0" err="1">
+                <a:solidFill>
+                  <a:schemeClr val="bg1">
+                    <a:alpha val="70000"/>
+                  </a:schemeClr>
+                </a:solidFill>
+              </a:rPr>
+              <a:t>total</a:t>
+            </a:r>
+            <a:r>
+              <a:rPr lang="pl-PL" sz="2400" dirty="0">
+                <a:solidFill>
+                  <a:schemeClr val="bg1">
+                    <a:alpha val="70000"/>
+                  </a:schemeClr>
+                </a:solidFill>
+              </a:rPr>
+              <a:t> </a:t>
+            </a:r>
+            <a:r>
+              <a:rPr lang="pl-PL" sz="2400" dirty="0" err="1">
+                <a:solidFill>
+                  <a:schemeClr val="bg1">
+                    <a:alpha val="70000"/>
+                  </a:schemeClr>
+                </a:solidFill>
+              </a:rPr>
+              <a:t>chargebacks</a:t>
+            </a:r>
+            <a:r>
+              <a:rPr lang="pl-PL" sz="2400" dirty="0">
+                <a:solidFill>
+                  <a:schemeClr val="bg1">
+                    <a:alpha val="70000"/>
+                  </a:schemeClr>
+                </a:solidFill>
+              </a:rPr>
+              <a:t> to a standard </a:t>
+            </a:r>
+            <a:r>
+              <a:rPr lang="pl-PL" sz="2400" dirty="0" err="1">
+                <a:solidFill>
+                  <a:schemeClr val="bg1">
+                    <a:alpha val="70000"/>
+                  </a:schemeClr>
+                </a:solidFill>
+              </a:rPr>
+              <a:t>level</a:t>
+            </a:r>
+            <a:r>
+              <a:rPr lang="pl-PL" sz="2400" dirty="0">
+                <a:solidFill>
+                  <a:schemeClr val="bg1">
+                    <a:alpha val="70000"/>
+                  </a:schemeClr>
+                </a:solidFill>
+              </a:rPr>
+              <a:t> (~2%) </a:t>
+            </a:r>
+            <a:r>
+              <a:rPr lang="pl-PL" sz="2400" dirty="0" err="1">
+                <a:solidFill>
+                  <a:schemeClr val="bg1">
+                    <a:alpha val="70000"/>
+                  </a:schemeClr>
+                </a:solidFill>
+              </a:rPr>
+              <a:t>would</a:t>
+            </a:r>
+            <a:r>
+              <a:rPr lang="pl-PL" sz="2400" dirty="0">
+                <a:solidFill>
+                  <a:schemeClr val="bg1">
+                    <a:alpha val="70000"/>
+                  </a:schemeClr>
+                </a:solidFill>
+              </a:rPr>
+              <a:t> </a:t>
+            </a:r>
+            <a:r>
+              <a:rPr lang="pl-PL" sz="2400" dirty="0" err="1">
+                <a:solidFill>
+                  <a:schemeClr val="bg1">
+                    <a:alpha val="70000"/>
+                  </a:schemeClr>
+                </a:solidFill>
+              </a:rPr>
+              <a:t>decrease</a:t>
+            </a:r>
+            <a:r>
+              <a:rPr lang="pl-PL" sz="2400" dirty="0">
+                <a:solidFill>
+                  <a:schemeClr val="bg1">
+                    <a:alpha val="70000"/>
+                  </a:schemeClr>
+                </a:solidFill>
+              </a:rPr>
+              <a:t> the </a:t>
+            </a:r>
+            <a:r>
+              <a:rPr lang="pl-PL" sz="2400" dirty="0" err="1">
+                <a:solidFill>
+                  <a:schemeClr val="bg1">
+                    <a:alpha val="70000"/>
+                  </a:schemeClr>
+                </a:solidFill>
+              </a:rPr>
+              <a:t>total</a:t>
+            </a:r>
+            <a:r>
+              <a:rPr lang="pl-PL" sz="2400" dirty="0">
+                <a:solidFill>
+                  <a:schemeClr val="bg1">
+                    <a:alpha val="70000"/>
+                  </a:schemeClr>
+                </a:solidFill>
+              </a:rPr>
+              <a:t> </a:t>
+            </a:r>
+            <a:r>
+              <a:rPr lang="pl-PL" sz="2400" dirty="0" err="1">
+                <a:solidFill>
+                  <a:schemeClr val="bg1">
+                    <a:alpha val="70000"/>
+                  </a:schemeClr>
+                </a:solidFill>
+              </a:rPr>
+              <a:t>number</a:t>
+            </a:r>
+            <a:r>
+              <a:rPr lang="pl-PL" sz="2400" dirty="0">
+                <a:solidFill>
+                  <a:schemeClr val="bg1">
+                    <a:alpha val="70000"/>
+                  </a:schemeClr>
+                </a:solidFill>
+              </a:rPr>
+              <a:t> of </a:t>
+            </a:r>
+            <a:r>
+              <a:rPr lang="pl-PL" sz="2400" dirty="0" err="1">
+                <a:solidFill>
+                  <a:schemeClr val="bg1">
+                    <a:alpha val="70000"/>
+                  </a:schemeClr>
+                </a:solidFill>
+              </a:rPr>
+              <a:t>chargebacks</a:t>
+            </a:r>
+            <a:r>
+              <a:rPr lang="pl-PL" sz="2400" dirty="0">
+                <a:solidFill>
+                  <a:schemeClr val="bg1">
+                    <a:alpha val="70000"/>
+                  </a:schemeClr>
+                </a:solidFill>
+              </a:rPr>
+              <a:t> from 318 to 207 (</a:t>
+            </a:r>
+            <a:r>
+              <a:rPr lang="pl-PL" sz="2400" dirty="0" err="1">
+                <a:solidFill>
+                  <a:schemeClr val="bg1">
+                    <a:alpha val="70000"/>
+                  </a:schemeClr>
+                </a:solidFill>
+              </a:rPr>
+              <a:t>bringing</a:t>
+            </a:r>
+            <a:r>
+              <a:rPr lang="pl-PL" sz="2400" dirty="0">
+                <a:solidFill>
+                  <a:schemeClr val="bg1">
+                    <a:alpha val="70000"/>
+                  </a:schemeClr>
+                </a:solidFill>
+              </a:rPr>
+              <a:t> the ratio of </a:t>
+            </a:r>
+            <a:r>
+              <a:rPr lang="pl-PL" sz="2400" dirty="0" err="1">
+                <a:solidFill>
+                  <a:schemeClr val="bg1">
+                    <a:alpha val="70000"/>
+                  </a:schemeClr>
+                </a:solidFill>
+              </a:rPr>
+              <a:t>chargebacks</a:t>
+            </a:r>
+            <a:r>
+              <a:rPr lang="pl-PL" sz="2400" dirty="0">
+                <a:solidFill>
+                  <a:schemeClr val="bg1">
+                    <a:alpha val="70000"/>
+                  </a:schemeClr>
+                </a:solidFill>
+              </a:rPr>
+              <a:t> to </a:t>
+            </a:r>
+            <a:r>
+              <a:rPr lang="pl-PL" sz="2400" dirty="0" err="1">
+                <a:solidFill>
+                  <a:schemeClr val="bg1">
+                    <a:alpha val="70000"/>
+                  </a:schemeClr>
+                </a:solidFill>
+              </a:rPr>
+              <a:t>all</a:t>
+            </a:r>
+            <a:r>
+              <a:rPr lang="pl-PL" sz="2400" dirty="0">
+                <a:solidFill>
+                  <a:schemeClr val="bg1">
+                    <a:alpha val="70000"/>
+                  </a:schemeClr>
+                </a:solidFill>
+              </a:rPr>
+              <a:t> </a:t>
+            </a:r>
+            <a:r>
+              <a:rPr lang="pl-PL" sz="2400" dirty="0" err="1">
+                <a:solidFill>
+                  <a:schemeClr val="bg1">
+                    <a:alpha val="70000"/>
+                  </a:schemeClr>
+                </a:solidFill>
+              </a:rPr>
+              <a:t>transactions</a:t>
+            </a:r>
+            <a:r>
+              <a:rPr lang="pl-PL" sz="2400" dirty="0">
+                <a:solidFill>
+                  <a:schemeClr val="bg1">
+                    <a:alpha val="70000"/>
+                  </a:schemeClr>
+                </a:solidFill>
+              </a:rPr>
+              <a:t> down to 0.94%).</a:t>
+            </a:r>
+          </a:p>
+          <a:p>
+            <a:r>
+              <a:rPr lang="pl-PL" sz="2400" dirty="0">
+                <a:solidFill>
+                  <a:schemeClr val="bg1">
+                    <a:alpha val="70000"/>
+                  </a:schemeClr>
+                </a:solidFill>
+              </a:rPr>
+              <a:t>Monitor </a:t>
+            </a:r>
+            <a:r>
+              <a:rPr lang="pl-PL" sz="2400" dirty="0" err="1">
+                <a:solidFill>
+                  <a:schemeClr val="bg1">
+                    <a:alpha val="70000"/>
+                  </a:schemeClr>
+                </a:solidFill>
+              </a:rPr>
+              <a:t>suspicious</a:t>
+            </a:r>
+            <a:r>
+              <a:rPr lang="pl-PL" sz="2400" dirty="0">
+                <a:solidFill>
+                  <a:schemeClr val="bg1">
+                    <a:alpha val="70000"/>
+                  </a:schemeClr>
+                </a:solidFill>
+              </a:rPr>
+              <a:t> </a:t>
+            </a:r>
+            <a:r>
+              <a:rPr lang="pl-PL" sz="2400" dirty="0" err="1">
+                <a:solidFill>
+                  <a:schemeClr val="bg1">
+                    <a:alpha val="70000"/>
+                  </a:schemeClr>
+                </a:solidFill>
+              </a:rPr>
+              <a:t>behaviour</a:t>
+            </a:r>
+            <a:r>
+              <a:rPr lang="pl-PL" sz="2400" dirty="0">
+                <a:solidFill>
+                  <a:schemeClr val="bg1">
+                    <a:alpha val="70000"/>
+                  </a:schemeClr>
+                </a:solidFill>
+              </a:rPr>
+              <a:t> of </a:t>
+            </a:r>
+            <a:r>
+              <a:rPr lang="pl-PL" sz="2400" dirty="0" err="1">
+                <a:solidFill>
+                  <a:schemeClr val="bg1">
+                    <a:alpha val="70000"/>
+                  </a:schemeClr>
+                </a:solidFill>
+              </a:rPr>
+              <a:t>customers</a:t>
+            </a:r>
+            <a:r>
+              <a:rPr lang="pl-PL" sz="2400" dirty="0">
+                <a:solidFill>
+                  <a:schemeClr val="bg1">
+                    <a:alpha val="70000"/>
+                  </a:schemeClr>
+                </a:solidFill>
+              </a:rPr>
+              <a:t> and </a:t>
+            </a:r>
+            <a:r>
+              <a:rPr lang="pl-PL" sz="2400" dirty="0" err="1">
+                <a:solidFill>
+                  <a:schemeClr val="bg1">
+                    <a:alpha val="70000"/>
+                  </a:schemeClr>
+                </a:solidFill>
+              </a:rPr>
+              <a:t>gather</a:t>
+            </a:r>
+            <a:r>
+              <a:rPr lang="pl-PL" sz="2400" dirty="0">
+                <a:solidFill>
+                  <a:schemeClr val="bg1">
+                    <a:alpha val="70000"/>
+                  </a:schemeClr>
+                </a:solidFill>
+              </a:rPr>
+              <a:t> </a:t>
+            </a:r>
+            <a:r>
+              <a:rPr lang="pl-PL" sz="2400" dirty="0" err="1">
+                <a:solidFill>
+                  <a:schemeClr val="bg1">
+                    <a:alpha val="70000"/>
+                  </a:schemeClr>
+                </a:solidFill>
+              </a:rPr>
+              <a:t>evidence</a:t>
+            </a:r>
+            <a:r>
+              <a:rPr lang="pl-PL" sz="2400" dirty="0">
+                <a:solidFill>
+                  <a:schemeClr val="bg1">
+                    <a:alpha val="70000"/>
+                  </a:schemeClr>
+                </a:solidFill>
+              </a:rPr>
+              <a:t> to </a:t>
+            </a:r>
+            <a:r>
+              <a:rPr lang="pl-PL" sz="2400" dirty="0" err="1">
+                <a:solidFill>
+                  <a:schemeClr val="bg1">
+                    <a:alpha val="70000"/>
+                  </a:schemeClr>
+                </a:solidFill>
+              </a:rPr>
+              <a:t>refute</a:t>
+            </a:r>
+            <a:r>
+              <a:rPr lang="pl-PL" sz="2400" dirty="0">
+                <a:solidFill>
+                  <a:schemeClr val="bg1">
+                    <a:alpha val="70000"/>
+                  </a:schemeClr>
+                </a:solidFill>
+              </a:rPr>
+              <a:t> the </a:t>
+            </a:r>
+            <a:r>
+              <a:rPr lang="pl-PL" sz="2400" dirty="0" err="1">
+                <a:solidFill>
+                  <a:schemeClr val="bg1">
+                    <a:alpha val="70000"/>
+                  </a:schemeClr>
+                </a:solidFill>
+              </a:rPr>
+              <a:t>claims</a:t>
+            </a:r>
+            <a:r>
+              <a:rPr lang="pl-PL" sz="2400" dirty="0">
+                <a:solidFill>
+                  <a:schemeClr val="bg1">
+                    <a:alpha val="70000"/>
+                  </a:schemeClr>
+                </a:solidFill>
+              </a:rPr>
+              <a:t> of </a:t>
+            </a:r>
+            <a:r>
+              <a:rPr lang="pl-PL" sz="2400" dirty="0" err="1">
+                <a:solidFill>
+                  <a:schemeClr val="bg1">
+                    <a:alpha val="70000"/>
+                  </a:schemeClr>
+                </a:solidFill>
+              </a:rPr>
+              <a:t>known</a:t>
+            </a:r>
+            <a:r>
+              <a:rPr lang="pl-PL" sz="2400" dirty="0">
+                <a:solidFill>
+                  <a:schemeClr val="bg1">
+                    <a:alpha val="70000"/>
+                  </a:schemeClr>
+                </a:solidFill>
+              </a:rPr>
+              <a:t> </a:t>
+            </a:r>
+            <a:r>
+              <a:rPr lang="pl-PL" sz="2400" dirty="0" err="1">
+                <a:solidFill>
+                  <a:schemeClr val="bg1">
+                    <a:alpha val="70000"/>
+                  </a:schemeClr>
+                </a:solidFill>
+              </a:rPr>
+              <a:t>offenders</a:t>
+            </a:r>
+            <a:r>
+              <a:rPr lang="pl-PL" sz="2400" dirty="0">
+                <a:solidFill>
+                  <a:schemeClr val="bg1">
+                    <a:alpha val="70000"/>
+                  </a:schemeClr>
+                </a:solidFill>
+              </a:rPr>
+              <a:t> – </a:t>
+            </a:r>
+            <a:r>
+              <a:rPr lang="pl-PL" sz="2400" dirty="0" err="1">
+                <a:solidFill>
+                  <a:schemeClr val="bg1">
+                    <a:alpha val="70000"/>
+                  </a:schemeClr>
+                </a:solidFill>
+              </a:rPr>
+              <a:t>customers</a:t>
+            </a:r>
+            <a:r>
+              <a:rPr lang="pl-PL" sz="2400" dirty="0">
+                <a:solidFill>
+                  <a:schemeClr val="bg1">
+                    <a:alpha val="70000"/>
+                  </a:schemeClr>
+                </a:solidFill>
+              </a:rPr>
+              <a:t> </a:t>
+            </a:r>
+            <a:r>
+              <a:rPr lang="pl-PL" sz="2400" dirty="0" err="1">
+                <a:solidFill>
+                  <a:schemeClr val="bg1">
+                    <a:alpha val="70000"/>
+                  </a:schemeClr>
+                </a:solidFill>
+              </a:rPr>
+              <a:t>commiting</a:t>
+            </a:r>
+            <a:r>
+              <a:rPr lang="pl-PL" sz="2400" dirty="0">
+                <a:solidFill>
+                  <a:schemeClr val="bg1">
+                    <a:alpha val="70000"/>
+                  </a:schemeClr>
+                </a:solidFill>
+              </a:rPr>
+              <a:t> </a:t>
+            </a:r>
+            <a:r>
+              <a:rPr lang="pl-PL" sz="2400" dirty="0" err="1">
+                <a:solidFill>
+                  <a:schemeClr val="bg1">
+                    <a:alpha val="70000"/>
+                  </a:schemeClr>
+                </a:solidFill>
+              </a:rPr>
+              <a:t>friendly</a:t>
+            </a:r>
+            <a:r>
+              <a:rPr lang="pl-PL" sz="2400" dirty="0">
+                <a:solidFill>
+                  <a:schemeClr val="bg1">
+                    <a:alpha val="70000"/>
+                  </a:schemeClr>
+                </a:solidFill>
+              </a:rPr>
+              <a:t> fraud </a:t>
+            </a:r>
+            <a:r>
+              <a:rPr lang="pl-PL" sz="2400" dirty="0" err="1">
+                <a:solidFill>
+                  <a:schemeClr val="bg1">
+                    <a:alpha val="70000"/>
+                  </a:schemeClr>
+                </a:solidFill>
+              </a:rPr>
+              <a:t>will</a:t>
+            </a:r>
+            <a:r>
+              <a:rPr lang="pl-PL" sz="2400" dirty="0">
+                <a:solidFill>
+                  <a:schemeClr val="bg1">
+                    <a:alpha val="70000"/>
+                  </a:schemeClr>
+                </a:solidFill>
+              </a:rPr>
+              <a:t> be far less </a:t>
+            </a:r>
+            <a:r>
+              <a:rPr lang="pl-PL" sz="2400" dirty="0" err="1">
+                <a:solidFill>
+                  <a:schemeClr val="bg1">
+                    <a:alpha val="70000"/>
+                  </a:schemeClr>
+                </a:solidFill>
+              </a:rPr>
+              <a:t>likely</a:t>
+            </a:r>
+            <a:r>
+              <a:rPr lang="pl-PL" sz="2400" dirty="0">
+                <a:solidFill>
+                  <a:schemeClr val="bg1">
+                    <a:alpha val="70000"/>
+                  </a:schemeClr>
+                </a:solidFill>
+              </a:rPr>
+              <a:t> to </a:t>
+            </a:r>
+            <a:r>
+              <a:rPr lang="pl-PL" sz="2400" dirty="0" err="1">
+                <a:solidFill>
+                  <a:schemeClr val="bg1">
+                    <a:alpha val="70000"/>
+                  </a:schemeClr>
+                </a:solidFill>
+              </a:rPr>
+              <a:t>get</a:t>
+            </a:r>
+            <a:r>
+              <a:rPr lang="pl-PL" sz="2400" dirty="0">
+                <a:solidFill>
+                  <a:schemeClr val="bg1">
+                    <a:alpha val="70000"/>
+                  </a:schemeClr>
+                </a:solidFill>
+              </a:rPr>
+              <a:t> </a:t>
+            </a:r>
+            <a:r>
+              <a:rPr lang="pl-PL" sz="2400" dirty="0" err="1">
+                <a:solidFill>
+                  <a:schemeClr val="bg1">
+                    <a:alpha val="70000"/>
+                  </a:schemeClr>
+                </a:solidFill>
+              </a:rPr>
+              <a:t>their</a:t>
+            </a:r>
+            <a:r>
+              <a:rPr lang="pl-PL" sz="2400" dirty="0">
+                <a:solidFill>
+                  <a:schemeClr val="bg1">
+                    <a:alpha val="70000"/>
+                  </a:schemeClr>
+                </a:solidFill>
+              </a:rPr>
+              <a:t> </a:t>
+            </a:r>
+            <a:r>
+              <a:rPr lang="pl-PL" sz="2400" dirty="0" err="1">
+                <a:solidFill>
+                  <a:schemeClr val="bg1">
+                    <a:alpha val="70000"/>
+                  </a:schemeClr>
+                </a:solidFill>
+              </a:rPr>
+              <a:t>chargeback</a:t>
+            </a:r>
+            <a:r>
+              <a:rPr lang="pl-PL" sz="2400" dirty="0">
+                <a:solidFill>
+                  <a:schemeClr val="bg1">
+                    <a:alpha val="70000"/>
+                  </a:schemeClr>
+                </a:solidFill>
+              </a:rPr>
+              <a:t> </a:t>
+            </a:r>
+            <a:r>
+              <a:rPr lang="pl-PL" sz="2400" dirty="0" err="1">
+                <a:solidFill>
+                  <a:schemeClr val="bg1">
+                    <a:alpha val="70000"/>
+                  </a:schemeClr>
+                </a:solidFill>
+              </a:rPr>
+              <a:t>claims</a:t>
+            </a:r>
+            <a:r>
+              <a:rPr lang="pl-PL" sz="2400" dirty="0">
+                <a:solidFill>
+                  <a:schemeClr val="bg1">
+                    <a:alpha val="70000"/>
+                  </a:schemeClr>
+                </a:solidFill>
+              </a:rPr>
+              <a:t> </a:t>
+            </a:r>
+            <a:r>
+              <a:rPr lang="pl-PL" sz="2400" dirty="0" err="1">
+                <a:solidFill>
+                  <a:schemeClr val="bg1">
+                    <a:alpha val="70000"/>
+                  </a:schemeClr>
+                </a:solidFill>
+              </a:rPr>
+              <a:t>accepted</a:t>
+            </a:r>
+            <a:r>
+              <a:rPr lang="pl-PL" sz="2400" dirty="0">
+                <a:solidFill>
+                  <a:schemeClr val="bg1">
+                    <a:alpha val="70000"/>
+                  </a:schemeClr>
+                </a:solidFill>
+              </a:rPr>
+              <a:t> in the </a:t>
+            </a:r>
+            <a:r>
+              <a:rPr lang="pl-PL" sz="2400" dirty="0" err="1">
+                <a:solidFill>
+                  <a:schemeClr val="bg1">
+                    <a:alpha val="70000"/>
+                  </a:schemeClr>
+                </a:solidFill>
+              </a:rPr>
+              <a:t>future</a:t>
+            </a:r>
+            <a:r>
+              <a:rPr lang="pl-PL" sz="2400" dirty="0">
+                <a:solidFill>
+                  <a:schemeClr val="bg1">
+                    <a:alpha val="70000"/>
+                  </a:schemeClr>
+                </a:solidFill>
+              </a:rPr>
+              <a:t>, </a:t>
+            </a:r>
+            <a:r>
+              <a:rPr lang="pl-PL" sz="2400" dirty="0" err="1">
+                <a:solidFill>
+                  <a:schemeClr val="bg1">
+                    <a:alpha val="70000"/>
+                  </a:schemeClr>
+                </a:solidFill>
+              </a:rPr>
+              <a:t>if</a:t>
+            </a:r>
+            <a:r>
+              <a:rPr lang="pl-PL" sz="2400" dirty="0">
+                <a:solidFill>
+                  <a:schemeClr val="bg1">
+                    <a:alpha val="70000"/>
+                  </a:schemeClr>
+                </a:solidFill>
+              </a:rPr>
+              <a:t> </a:t>
+            </a:r>
+            <a:r>
+              <a:rPr lang="pl-PL" sz="2400" dirty="0" err="1">
+                <a:solidFill>
+                  <a:schemeClr val="bg1">
+                    <a:alpha val="70000"/>
+                  </a:schemeClr>
+                </a:solidFill>
+              </a:rPr>
+              <a:t>there</a:t>
+            </a:r>
+            <a:r>
+              <a:rPr lang="pl-PL" sz="2400" dirty="0">
+                <a:solidFill>
+                  <a:schemeClr val="bg1">
+                    <a:alpha val="70000"/>
+                  </a:schemeClr>
+                </a:solidFill>
+              </a:rPr>
+              <a:t> </a:t>
+            </a:r>
+            <a:r>
+              <a:rPr lang="pl-PL" sz="2400" dirty="0" err="1">
+                <a:solidFill>
+                  <a:schemeClr val="bg1">
+                    <a:alpha val="70000"/>
+                  </a:schemeClr>
+                </a:solidFill>
+              </a:rPr>
+              <a:t>is</a:t>
+            </a:r>
+            <a:r>
+              <a:rPr lang="pl-PL" sz="2400" dirty="0">
+                <a:solidFill>
+                  <a:schemeClr val="bg1">
+                    <a:alpha val="70000"/>
+                  </a:schemeClr>
+                </a:solidFill>
+              </a:rPr>
+              <a:t> </a:t>
+            </a:r>
+            <a:r>
+              <a:rPr lang="pl-PL" sz="2400" dirty="0" err="1">
+                <a:solidFill>
+                  <a:schemeClr val="bg1">
+                    <a:alpha val="70000"/>
+                  </a:schemeClr>
+                </a:solidFill>
+              </a:rPr>
+              <a:t>evidence</a:t>
+            </a:r>
+            <a:r>
+              <a:rPr lang="pl-PL" sz="2400" dirty="0">
+                <a:solidFill>
+                  <a:schemeClr val="bg1">
+                    <a:alpha val="70000"/>
+                  </a:schemeClr>
+                </a:solidFill>
+              </a:rPr>
+              <a:t> </a:t>
+            </a:r>
+            <a:r>
+              <a:rPr lang="pl-PL" sz="2400" dirty="0" err="1">
+                <a:solidFill>
+                  <a:schemeClr val="bg1">
+                    <a:alpha val="70000"/>
+                  </a:schemeClr>
+                </a:solidFill>
+              </a:rPr>
+              <a:t>they</a:t>
+            </a:r>
+            <a:r>
+              <a:rPr lang="pl-PL" sz="2400" dirty="0">
+                <a:solidFill>
+                  <a:schemeClr val="bg1">
+                    <a:alpha val="70000"/>
+                  </a:schemeClr>
+                </a:solidFill>
+              </a:rPr>
+              <a:t> </a:t>
+            </a:r>
+            <a:r>
+              <a:rPr lang="pl-PL" sz="2400" dirty="0" err="1">
+                <a:solidFill>
+                  <a:schemeClr val="bg1">
+                    <a:alpha val="70000"/>
+                  </a:schemeClr>
+                </a:solidFill>
+              </a:rPr>
+              <a:t>had</a:t>
+            </a:r>
+            <a:r>
+              <a:rPr lang="pl-PL" sz="2400" dirty="0">
+                <a:solidFill>
+                  <a:schemeClr val="bg1">
+                    <a:alpha val="70000"/>
+                  </a:schemeClr>
+                </a:solidFill>
+              </a:rPr>
+              <a:t> </a:t>
+            </a:r>
+            <a:r>
+              <a:rPr lang="pl-PL" sz="2400" dirty="0" err="1">
+                <a:solidFill>
+                  <a:schemeClr val="bg1">
+                    <a:alpha val="70000"/>
+                  </a:schemeClr>
+                </a:solidFill>
+              </a:rPr>
+              <a:t>filed</a:t>
+            </a:r>
+            <a:r>
+              <a:rPr lang="pl-PL" sz="2400" dirty="0">
+                <a:solidFill>
+                  <a:schemeClr val="bg1">
+                    <a:alpha val="70000"/>
+                  </a:schemeClr>
+                </a:solidFill>
+              </a:rPr>
+              <a:t> a </a:t>
+            </a:r>
+            <a:r>
+              <a:rPr lang="pl-PL" sz="2400" dirty="0" err="1">
+                <a:solidFill>
+                  <a:schemeClr val="bg1">
+                    <a:alpha val="70000"/>
+                  </a:schemeClr>
+                </a:solidFill>
+              </a:rPr>
+              <a:t>chargeback</a:t>
+            </a:r>
+            <a:r>
+              <a:rPr lang="pl-PL" sz="2400" dirty="0">
+                <a:solidFill>
+                  <a:schemeClr val="bg1">
+                    <a:alpha val="70000"/>
+                  </a:schemeClr>
+                </a:solidFill>
+              </a:rPr>
+              <a:t> </a:t>
+            </a:r>
+            <a:r>
+              <a:rPr lang="pl-PL" sz="2400" dirty="0" err="1">
+                <a:solidFill>
+                  <a:schemeClr val="bg1">
+                    <a:alpha val="70000"/>
+                  </a:schemeClr>
+                </a:solidFill>
+              </a:rPr>
+              <a:t>under</a:t>
+            </a:r>
+            <a:r>
+              <a:rPr lang="pl-PL" sz="2400" dirty="0">
+                <a:solidFill>
+                  <a:schemeClr val="bg1">
+                    <a:alpha val="70000"/>
+                  </a:schemeClr>
+                </a:solidFill>
+              </a:rPr>
+              <a:t> </a:t>
+            </a:r>
+            <a:r>
+              <a:rPr lang="pl-PL" sz="2400" dirty="0" err="1">
+                <a:solidFill>
+                  <a:schemeClr val="bg1">
+                    <a:alpha val="70000"/>
+                  </a:schemeClr>
+                </a:solidFill>
+              </a:rPr>
+              <a:t>false</a:t>
+            </a:r>
+            <a:r>
+              <a:rPr lang="pl-PL" sz="2400" dirty="0">
+                <a:solidFill>
+                  <a:schemeClr val="bg1">
+                    <a:alpha val="70000"/>
+                  </a:schemeClr>
+                </a:solidFill>
+              </a:rPr>
+              <a:t> </a:t>
+            </a:r>
+            <a:r>
+              <a:rPr lang="pl-PL" sz="2400" dirty="0" err="1">
+                <a:solidFill>
+                  <a:schemeClr val="bg1">
+                    <a:alpha val="70000"/>
+                  </a:schemeClr>
+                </a:solidFill>
+              </a:rPr>
+              <a:t>pretences</a:t>
+            </a:r>
+            <a:r>
+              <a:rPr lang="pl-PL" sz="2400" dirty="0">
+                <a:solidFill>
+                  <a:schemeClr val="bg1">
+                    <a:alpha val="70000"/>
+                  </a:schemeClr>
+                </a:solidFill>
+              </a:rPr>
+              <a:t> </a:t>
+            </a:r>
+            <a:r>
+              <a:rPr lang="pl-PL" sz="2400" dirty="0" err="1">
+                <a:solidFill>
+                  <a:schemeClr val="bg1">
+                    <a:alpha val="70000"/>
+                  </a:schemeClr>
+                </a:solidFill>
+              </a:rPr>
+              <a:t>before</a:t>
+            </a:r>
+            <a:r>
+              <a:rPr lang="pl-PL" sz="2400" dirty="0">
+                <a:solidFill>
+                  <a:schemeClr val="bg1">
+                    <a:alpha val="70000"/>
+                  </a:schemeClr>
+                </a:solidFill>
+              </a:rPr>
+              <a:t>.</a:t>
+            </a:r>
+          </a:p>
+          <a:p>
+            <a:r>
+              <a:rPr lang="pl-PL" sz="2400" dirty="0" err="1">
+                <a:solidFill>
+                  <a:schemeClr val="bg1">
+                    <a:alpha val="70000"/>
+                  </a:schemeClr>
+                </a:solidFill>
+              </a:rPr>
+              <a:t>Investigate</a:t>
+            </a:r>
+            <a:r>
+              <a:rPr lang="pl-PL" sz="2400" dirty="0">
+                <a:solidFill>
+                  <a:schemeClr val="bg1">
+                    <a:alpha val="70000"/>
+                  </a:schemeClr>
+                </a:solidFill>
+              </a:rPr>
+              <a:t> </a:t>
+            </a:r>
+            <a:r>
+              <a:rPr lang="pl-PL" sz="2400" dirty="0" err="1">
+                <a:solidFill>
+                  <a:schemeClr val="bg1">
+                    <a:alpha val="70000"/>
+                  </a:schemeClr>
+                </a:solidFill>
+              </a:rPr>
+              <a:t>customers</a:t>
+            </a:r>
+            <a:r>
+              <a:rPr lang="pl-PL" sz="2400" dirty="0">
+                <a:solidFill>
+                  <a:schemeClr val="bg1">
+                    <a:alpha val="70000"/>
+                  </a:schemeClr>
+                </a:solidFill>
+              </a:rPr>
+              <a:t> </a:t>
+            </a:r>
+            <a:r>
+              <a:rPr lang="pl-PL" sz="2400" dirty="0" err="1">
+                <a:solidFill>
+                  <a:schemeClr val="bg1">
+                    <a:alpha val="70000"/>
+                  </a:schemeClr>
+                </a:solidFill>
+              </a:rPr>
+              <a:t>making</a:t>
+            </a:r>
+            <a:r>
+              <a:rPr lang="pl-PL" sz="2400" dirty="0">
+                <a:solidFill>
+                  <a:schemeClr val="bg1">
+                    <a:alpha val="70000"/>
+                  </a:schemeClr>
+                </a:solidFill>
+              </a:rPr>
+              <a:t> </a:t>
+            </a:r>
+            <a:r>
+              <a:rPr lang="pl-PL" sz="2400" dirty="0" err="1">
+                <a:solidFill>
+                  <a:schemeClr val="bg1">
+                    <a:alpha val="70000"/>
+                  </a:schemeClr>
+                </a:solidFill>
+              </a:rPr>
+              <a:t>transactions</a:t>
+            </a:r>
+            <a:r>
+              <a:rPr lang="pl-PL" sz="2400" dirty="0">
+                <a:solidFill>
+                  <a:schemeClr val="bg1">
+                    <a:alpha val="70000"/>
+                  </a:schemeClr>
+                </a:solidFill>
+              </a:rPr>
+              <a:t> from Panama </a:t>
+            </a:r>
+            <a:r>
+              <a:rPr lang="pl-PL" sz="2400" dirty="0" err="1">
+                <a:solidFill>
+                  <a:schemeClr val="bg1">
+                    <a:alpha val="70000"/>
+                  </a:schemeClr>
+                </a:solidFill>
+              </a:rPr>
+              <a:t>that</a:t>
+            </a:r>
+            <a:r>
+              <a:rPr lang="pl-PL" sz="2400" dirty="0">
+                <a:solidFill>
+                  <a:schemeClr val="bg1">
+                    <a:alpha val="70000"/>
+                  </a:schemeClr>
+                </a:solidFill>
+              </a:rPr>
+              <a:t> </a:t>
+            </a:r>
+            <a:r>
+              <a:rPr lang="pl-PL" sz="2400" dirty="0" err="1">
+                <a:solidFill>
+                  <a:schemeClr val="bg1">
+                    <a:alpha val="70000"/>
+                  </a:schemeClr>
+                </a:solidFill>
+              </a:rPr>
+              <a:t>have</a:t>
+            </a:r>
+            <a:r>
+              <a:rPr lang="pl-PL" sz="2400" dirty="0">
+                <a:solidFill>
+                  <a:schemeClr val="bg1">
+                    <a:alpha val="70000"/>
+                  </a:schemeClr>
+                </a:solidFill>
+              </a:rPr>
+              <a:t> </a:t>
+            </a:r>
+            <a:r>
+              <a:rPr lang="pl-PL" sz="2400" dirty="0" err="1">
+                <a:solidFill>
+                  <a:schemeClr val="bg1">
+                    <a:alpha val="70000"/>
+                  </a:schemeClr>
+                </a:solidFill>
+              </a:rPr>
+              <a:t>their</a:t>
+            </a:r>
+            <a:r>
+              <a:rPr lang="pl-PL" sz="2400" dirty="0">
+                <a:solidFill>
+                  <a:schemeClr val="bg1">
+                    <a:alpha val="70000"/>
+                  </a:schemeClr>
+                </a:solidFill>
+              </a:rPr>
+              <a:t> </a:t>
+            </a:r>
+            <a:r>
+              <a:rPr lang="pl-PL" sz="2400" dirty="0" err="1">
+                <a:solidFill>
+                  <a:schemeClr val="bg1">
+                    <a:alpha val="70000"/>
+                  </a:schemeClr>
+                </a:solidFill>
+              </a:rPr>
+              <a:t>cards</a:t>
+            </a:r>
+            <a:r>
+              <a:rPr lang="pl-PL" sz="2400" dirty="0">
+                <a:solidFill>
+                  <a:schemeClr val="bg1">
+                    <a:alpha val="70000"/>
+                  </a:schemeClr>
+                </a:solidFill>
+              </a:rPr>
+              <a:t> </a:t>
+            </a:r>
+            <a:r>
+              <a:rPr lang="pl-PL" sz="2400" dirty="0" err="1">
+                <a:solidFill>
+                  <a:schemeClr val="bg1">
+                    <a:alpha val="70000"/>
+                  </a:schemeClr>
+                </a:solidFill>
+              </a:rPr>
+              <a:t>registered</a:t>
+            </a:r>
+            <a:r>
+              <a:rPr lang="pl-PL" sz="2400" dirty="0">
+                <a:solidFill>
+                  <a:schemeClr val="bg1">
+                    <a:alpha val="70000"/>
+                  </a:schemeClr>
+                </a:solidFill>
+              </a:rPr>
+              <a:t> in the United </a:t>
+            </a:r>
+            <a:r>
+              <a:rPr lang="pl-PL" sz="2400" dirty="0" err="1">
+                <a:solidFill>
+                  <a:schemeClr val="bg1">
+                    <a:alpha val="70000"/>
+                  </a:schemeClr>
+                </a:solidFill>
+              </a:rPr>
+              <a:t>States</a:t>
+            </a:r>
+            <a:r>
+              <a:rPr lang="pl-PL" sz="2400" dirty="0">
+                <a:solidFill>
+                  <a:schemeClr val="bg1">
+                    <a:alpha val="70000"/>
+                  </a:schemeClr>
+                </a:solidFill>
+              </a:rPr>
+              <a:t> – </a:t>
+            </a:r>
+            <a:r>
+              <a:rPr lang="pl-PL" sz="2400" dirty="0" err="1">
+                <a:solidFill>
+                  <a:schemeClr val="bg1">
+                    <a:alpha val="70000"/>
+                  </a:schemeClr>
+                </a:solidFill>
+              </a:rPr>
+              <a:t>it</a:t>
+            </a:r>
+            <a:r>
+              <a:rPr lang="pl-PL" sz="2400" dirty="0">
+                <a:solidFill>
+                  <a:schemeClr val="bg1">
+                    <a:alpha val="70000"/>
+                  </a:schemeClr>
+                </a:solidFill>
+              </a:rPr>
+              <a:t> </a:t>
+            </a:r>
+            <a:r>
+              <a:rPr lang="pl-PL" sz="2400" dirty="0" err="1">
+                <a:solidFill>
+                  <a:schemeClr val="bg1">
+                    <a:alpha val="70000"/>
+                  </a:schemeClr>
+                </a:solidFill>
+              </a:rPr>
+              <a:t>is</a:t>
+            </a:r>
+            <a:r>
+              <a:rPr lang="pl-PL" sz="2400" dirty="0">
+                <a:solidFill>
+                  <a:schemeClr val="bg1">
+                    <a:alpha val="70000"/>
+                  </a:schemeClr>
+                </a:solidFill>
+              </a:rPr>
+              <a:t> </a:t>
+            </a:r>
+            <a:r>
+              <a:rPr lang="pl-PL" sz="2400" dirty="0" err="1">
+                <a:solidFill>
+                  <a:schemeClr val="bg1">
+                    <a:alpha val="70000"/>
+                  </a:schemeClr>
+                </a:solidFill>
+              </a:rPr>
+              <a:t>likely</a:t>
+            </a:r>
+            <a:r>
+              <a:rPr lang="pl-PL" sz="2400" dirty="0">
+                <a:solidFill>
+                  <a:schemeClr val="bg1">
+                    <a:alpha val="70000"/>
+                  </a:schemeClr>
+                </a:solidFill>
+              </a:rPr>
+              <a:t> </a:t>
+            </a:r>
+            <a:r>
+              <a:rPr lang="pl-PL" sz="2400" dirty="0" err="1">
+                <a:solidFill>
+                  <a:schemeClr val="bg1">
+                    <a:alpha val="70000"/>
+                  </a:schemeClr>
+                </a:solidFill>
+              </a:rPr>
+              <a:t>that</a:t>
+            </a:r>
+            <a:r>
+              <a:rPr lang="pl-PL" sz="2400" dirty="0">
+                <a:solidFill>
+                  <a:schemeClr val="bg1">
+                    <a:alpha val="70000"/>
+                  </a:schemeClr>
+                </a:solidFill>
+              </a:rPr>
+              <a:t> a </a:t>
+            </a:r>
+            <a:r>
+              <a:rPr lang="pl-PL" sz="2400" dirty="0" err="1">
+                <a:solidFill>
+                  <a:schemeClr val="bg1">
+                    <a:alpha val="70000"/>
+                  </a:schemeClr>
+                </a:solidFill>
+              </a:rPr>
+              <a:t>significant</a:t>
+            </a:r>
+            <a:r>
+              <a:rPr lang="pl-PL" sz="2400" dirty="0">
+                <a:solidFill>
+                  <a:schemeClr val="bg1">
+                    <a:alpha val="70000"/>
+                  </a:schemeClr>
+                </a:solidFill>
+              </a:rPr>
+              <a:t> </a:t>
+            </a:r>
+            <a:r>
+              <a:rPr lang="pl-PL" sz="2400" dirty="0" err="1">
+                <a:solidFill>
+                  <a:schemeClr val="bg1">
+                    <a:alpha val="70000"/>
+                  </a:schemeClr>
+                </a:solidFill>
+              </a:rPr>
+              <a:t>number</a:t>
+            </a:r>
+            <a:r>
+              <a:rPr lang="pl-PL" sz="2400" dirty="0">
+                <a:solidFill>
+                  <a:schemeClr val="bg1">
+                    <a:alpha val="70000"/>
+                  </a:schemeClr>
+                </a:solidFill>
+              </a:rPr>
+              <a:t> of </a:t>
+            </a:r>
+            <a:r>
+              <a:rPr lang="pl-PL" sz="2400" dirty="0" err="1">
+                <a:solidFill>
+                  <a:schemeClr val="bg1">
+                    <a:alpha val="70000"/>
+                  </a:schemeClr>
+                </a:solidFill>
+              </a:rPr>
+              <a:t>them</a:t>
+            </a:r>
+            <a:r>
+              <a:rPr lang="pl-PL" sz="2400" dirty="0">
+                <a:solidFill>
+                  <a:schemeClr val="bg1">
+                    <a:alpha val="70000"/>
+                  </a:schemeClr>
+                </a:solidFill>
+              </a:rPr>
+              <a:t> </a:t>
+            </a:r>
+            <a:r>
+              <a:rPr lang="pl-PL" sz="2400" dirty="0" err="1">
+                <a:solidFill>
+                  <a:schemeClr val="bg1">
+                    <a:alpha val="70000"/>
+                  </a:schemeClr>
+                </a:solidFill>
+              </a:rPr>
+              <a:t>abuses</a:t>
+            </a:r>
+            <a:r>
+              <a:rPr lang="pl-PL" sz="2400" dirty="0">
+                <a:solidFill>
+                  <a:schemeClr val="bg1">
+                    <a:alpha val="70000"/>
+                  </a:schemeClr>
+                </a:solidFill>
+              </a:rPr>
+              <a:t> </a:t>
+            </a:r>
+            <a:r>
+              <a:rPr lang="pl-PL" sz="2400" dirty="0" err="1">
+                <a:solidFill>
+                  <a:schemeClr val="bg1">
+                    <a:alpha val="70000"/>
+                  </a:schemeClr>
+                </a:solidFill>
+              </a:rPr>
+              <a:t>their</a:t>
+            </a:r>
+            <a:r>
+              <a:rPr lang="pl-PL" sz="2400" dirty="0">
+                <a:solidFill>
+                  <a:schemeClr val="bg1">
+                    <a:alpha val="70000"/>
+                  </a:schemeClr>
+                </a:solidFill>
+              </a:rPr>
+              <a:t> </a:t>
+            </a:r>
+            <a:r>
+              <a:rPr lang="pl-PL" sz="2400" dirty="0" err="1">
+                <a:solidFill>
+                  <a:schemeClr val="bg1">
+                    <a:alpha val="70000"/>
+                  </a:schemeClr>
+                </a:solidFill>
+              </a:rPr>
+              <a:t>rights</a:t>
+            </a:r>
+            <a:r>
+              <a:rPr lang="pl-PL" sz="2400" dirty="0">
+                <a:solidFill>
+                  <a:schemeClr val="bg1">
+                    <a:alpha val="70000"/>
+                  </a:schemeClr>
+                </a:solidFill>
+              </a:rPr>
+              <a:t> to </a:t>
+            </a:r>
+            <a:r>
+              <a:rPr lang="pl-PL" sz="2400" dirty="0" err="1">
+                <a:solidFill>
+                  <a:schemeClr val="bg1">
+                    <a:alpha val="70000"/>
+                  </a:schemeClr>
+                </a:solidFill>
+              </a:rPr>
+              <a:t>chargeback</a:t>
+            </a:r>
+            <a:r>
+              <a:rPr lang="pl-PL" sz="2400" dirty="0">
+                <a:solidFill>
+                  <a:schemeClr val="bg1">
+                    <a:alpha val="70000"/>
+                  </a:schemeClr>
+                </a:solidFill>
+              </a:rPr>
+              <a:t> </a:t>
+            </a:r>
+            <a:r>
+              <a:rPr lang="pl-PL" sz="2400" dirty="0" err="1">
+                <a:solidFill>
+                  <a:schemeClr val="bg1">
+                    <a:alpha val="70000"/>
+                  </a:schemeClr>
+                </a:solidFill>
+              </a:rPr>
+              <a:t>claims</a:t>
+            </a:r>
+            <a:r>
+              <a:rPr lang="pl-PL" sz="2400" dirty="0">
+                <a:solidFill>
+                  <a:schemeClr val="bg1">
+                    <a:alpha val="70000"/>
+                  </a:schemeClr>
+                </a:solidFill>
+              </a:rPr>
+              <a:t>.</a:t>
+            </a:r>
+          </a:p>
+          <a:p>
+            <a:endParaRPr lang="pl-PL" sz="2400" dirty="0">
+              <a:solidFill>
+                <a:schemeClr val="bg1">
+                  <a:alpha val="70000"/>
+                </a:schemeClr>
+              </a:solidFill>
+            </a:endParaRPr>
+          </a:p>
+          <a:p>
+            <a:pPr marL="0" indent="0">
+              <a:buNone/>
+            </a:pPr>
+            <a:endParaRPr lang="pl-PL" sz="2400" dirty="0">
+              <a:solidFill>
+                <a:schemeClr val="bg1">
+                  <a:alpha val="70000"/>
+                </a:schemeClr>
+              </a:solidFill>
+            </a:endParaRPr>
+          </a:p>
+          <a:p>
+            <a:endParaRPr lang="pl-PL" sz="2400" dirty="0">
+              <a:solidFill>
+                <a:schemeClr val="bg1">
+                  <a:alpha val="70000"/>
+                </a:schemeClr>
+              </a:solidFill>
+            </a:endParaRPr>
+          </a:p>
+          <a:p>
+            <a:endParaRPr lang="pl-PL" sz="2400" dirty="0">
+              <a:solidFill>
+                <a:schemeClr val="bg1">
+                  <a:alpha val="70000"/>
+                </a:schemeClr>
+              </a:solidFill>
+            </a:endParaRPr>
+          </a:p>
+        </p:txBody>
+      </p:sp>
+    </p:spTree>
+    <p:extLst>
+      <p:ext uri="{BB962C8B-B14F-4D97-AF65-F5344CB8AC3E}">
+        <p14:creationId xmlns:p14="http://schemas.microsoft.com/office/powerpoint/2010/main" val="3649638929"/>
+      </p:ext>
+    </p:extLst>
+  </p:cSld>
+  <p:clrMapOvr>
+    <a:masterClrMapping/>
+  </p:clrMapOvr>
+  <p:timing>
+    <p:tnLst>
+      <p:par>
+        <p:cTn id="1" dur="indefinite" restart="never" nodeType="tmRoot">
+          <p:childTnLst>
+            <p:seq concurrent="1" nextAc="seek">
+              <p:cTn id="2" dur="indefinite" nodeType="mainSeq">
+                <p:childTnLst>
+                  <p:par>
+                    <p:cTn id="3" fill="hold">
+                      <p:stCondLst>
+                        <p:cond delay="indefinite"/>
+                        <p:cond evt="onBegin" delay="0">
+                          <p:tn val="2"/>
+                        </p:cond>
+                      </p:stCondLst>
+                      <p:childTnLst>
+                        <p:par>
+                          <p:cTn id="4" fill="hold">
+                            <p:stCondLst>
+                              <p:cond delay="0"/>
+                            </p:stCondLst>
+                            <p:childTnLst>
+                              <p:par>
+                                <p:cTn id="5" presetID="42" presetClass="entr" presetSubtype="0" fill="hold" grpId="0" nodeType="withEffect">
+                                  <p:stCondLst>
+                                    <p:cond delay="0"/>
+                                  </p:stCondLst>
+                                  <p:childTnLst>
+                                    <p:set>
+                                      <p:cBhvr>
+                                        <p:cTn id="6" dur="1" fill="hold">
+                                          <p:stCondLst>
+                                            <p:cond delay="0"/>
+                                          </p:stCondLst>
+                                        </p:cTn>
+                                        <p:tgtEl>
+                                          <p:spTgt spid="3">
+                                            <p:txEl>
+                                              <p:pRg st="0" end="0"/>
+                                            </p:txEl>
+                                          </p:spTgt>
+                                        </p:tgtEl>
+                                        <p:attrNameLst>
+                                          <p:attrName>style.visibility</p:attrName>
+                                        </p:attrNameLst>
+                                      </p:cBhvr>
+                                      <p:to>
+                                        <p:strVal val="visible"/>
+                                      </p:to>
+                                    </p:set>
+                                    <p:animEffect transition="in" filter="fade">
+                                      <p:cBhvr>
+                                        <p:cTn id="7" dur="1000"/>
+                                        <p:tgtEl>
+                                          <p:spTgt spid="3">
+                                            <p:txEl>
+                                              <p:pRg st="0" end="0"/>
+                                            </p:txEl>
+                                          </p:spTgt>
+                                        </p:tgtEl>
+                                      </p:cBhvr>
+                                    </p:animEffect>
+                                    <p:anim calcmode="lin" valueType="num">
+                                      <p:cBhvr>
+                                        <p:cTn id="8" dur="1000" fill="hold"/>
+                                        <p:tgtEl>
+                                          <p:spTgt spid="3">
+                                            <p:txEl>
+                                              <p:pRg st="0" end="0"/>
+                                            </p:txEl>
+                                          </p:spTgt>
+                                        </p:tgtEl>
+                                        <p:attrNameLst>
+                                          <p:attrName>ppt_x</p:attrName>
+                                        </p:attrNameLst>
+                                      </p:cBhvr>
+                                      <p:tavLst>
+                                        <p:tav tm="0">
+                                          <p:val>
+                                            <p:strVal val="#ppt_x"/>
+                                          </p:val>
+                                        </p:tav>
+                                        <p:tav tm="100000">
+                                          <p:val>
+                                            <p:strVal val="#ppt_x"/>
+                                          </p:val>
+                                        </p:tav>
+                                      </p:tavLst>
+                                    </p:anim>
+                                    <p:anim calcmode="lin" valueType="num">
+                                      <p:cBhvr>
+                                        <p:cTn id="9" dur="1000" fill="hold"/>
+                                        <p:tgtEl>
+                                          <p:spTgt spid="3">
+                                            <p:txEl>
+                                              <p:pRg st="0" end="0"/>
+                                            </p:txEl>
+                                          </p:spTgt>
+                                        </p:tgtEl>
+                                        <p:attrNameLst>
+                                          <p:attrName>ppt_y</p:attrName>
+                                        </p:attrNameLst>
+                                      </p:cBhvr>
+                                      <p:tavLst>
+                                        <p:tav tm="0">
+                                          <p:val>
+                                            <p:strVal val="#ppt_y+.1"/>
+                                          </p:val>
+                                        </p:tav>
+                                        <p:tav tm="100000">
+                                          <p:val>
+                                            <p:strVal val="#ppt_y"/>
+                                          </p:val>
+                                        </p:tav>
+                                      </p:tavLst>
+                                    </p:anim>
+                                  </p:childTnLst>
+                                </p:cTn>
+                              </p:par>
+                            </p:childTnLst>
+                          </p:cTn>
+                        </p:par>
+                      </p:childTnLst>
+                    </p:cTn>
+                  </p:par>
+                  <p:par>
+                    <p:cTn id="10" fill="hold">
+                      <p:stCondLst>
+                        <p:cond delay="indefinite"/>
+                      </p:stCondLst>
+                      <p:childTnLst>
+                        <p:par>
+                          <p:cTn id="11" fill="hold">
+                            <p:stCondLst>
+                              <p:cond delay="0"/>
+                            </p:stCondLst>
+                            <p:childTnLst>
+                              <p:par>
+                                <p:cTn id="12" presetID="42" presetClass="entr" presetSubtype="0" fill="hold" grpId="0" nodeType="clickEffect">
+                                  <p:stCondLst>
+                                    <p:cond delay="0"/>
+                                  </p:stCondLst>
+                                  <p:childTnLst>
+                                    <p:set>
+                                      <p:cBhvr>
+                                        <p:cTn id="13" dur="1" fill="hold">
+                                          <p:stCondLst>
+                                            <p:cond delay="0"/>
+                                          </p:stCondLst>
+                                        </p:cTn>
+                                        <p:tgtEl>
+                                          <p:spTgt spid="3">
+                                            <p:txEl>
+                                              <p:pRg st="1" end="1"/>
+                                            </p:txEl>
+                                          </p:spTgt>
+                                        </p:tgtEl>
+                                        <p:attrNameLst>
+                                          <p:attrName>style.visibility</p:attrName>
+                                        </p:attrNameLst>
+                                      </p:cBhvr>
+                                      <p:to>
+                                        <p:strVal val="visible"/>
+                                      </p:to>
+                                    </p:set>
+                                    <p:animEffect transition="in" filter="fade">
+                                      <p:cBhvr>
+                                        <p:cTn id="14" dur="1000"/>
+                                        <p:tgtEl>
+                                          <p:spTgt spid="3">
+                                            <p:txEl>
+                                              <p:pRg st="1" end="1"/>
+                                            </p:txEl>
+                                          </p:spTgt>
+                                        </p:tgtEl>
+                                      </p:cBhvr>
+                                    </p:animEffect>
+                                    <p:anim calcmode="lin" valueType="num">
+                                      <p:cBhvr>
+                                        <p:cTn id="15" dur="1000" fill="hold"/>
+                                        <p:tgtEl>
+                                          <p:spTgt spid="3">
+                                            <p:txEl>
+                                              <p:pRg st="1" end="1"/>
+                                            </p:txEl>
+                                          </p:spTgt>
+                                        </p:tgtEl>
+                                        <p:attrNameLst>
+                                          <p:attrName>ppt_x</p:attrName>
+                                        </p:attrNameLst>
+                                      </p:cBhvr>
+                                      <p:tavLst>
+                                        <p:tav tm="0">
+                                          <p:val>
+                                            <p:strVal val="#ppt_x"/>
+                                          </p:val>
+                                        </p:tav>
+                                        <p:tav tm="100000">
+                                          <p:val>
+                                            <p:strVal val="#ppt_x"/>
+                                          </p:val>
+                                        </p:tav>
+                                      </p:tavLst>
+                                    </p:anim>
+                                    <p:anim calcmode="lin" valueType="num">
+                                      <p:cBhvr>
+                                        <p:cTn id="16" dur="1000" fill="hold"/>
+                                        <p:tgtEl>
+                                          <p:spTgt spid="3">
+                                            <p:txEl>
+                                              <p:pRg st="1" end="1"/>
+                                            </p:txEl>
+                                          </p:spTgt>
+                                        </p:tgtEl>
+                                        <p:attrNameLst>
+                                          <p:attrName>ppt_y</p:attrName>
+                                        </p:attrNameLst>
+                                      </p:cBhvr>
+                                      <p:tavLst>
+                                        <p:tav tm="0">
+                                          <p:val>
+                                            <p:strVal val="#ppt_y+.1"/>
+                                          </p:val>
+                                        </p:tav>
+                                        <p:tav tm="100000">
+                                          <p:val>
+                                            <p:strVal val="#ppt_y"/>
+                                          </p:val>
+                                        </p:tav>
+                                      </p:tavLst>
+                                    </p:anim>
+                                  </p:childTnLst>
+                                </p:cTn>
+                              </p:par>
+                            </p:childTnLst>
+                          </p:cTn>
+                        </p:par>
+                      </p:childTnLst>
+                    </p:cTn>
+                  </p:par>
+                  <p:par>
+                    <p:cTn id="17" fill="hold">
+                      <p:stCondLst>
+                        <p:cond delay="indefinite"/>
+                      </p:stCondLst>
+                      <p:childTnLst>
+                        <p:par>
+                          <p:cTn id="18" fill="hold">
+                            <p:stCondLst>
+                              <p:cond delay="0"/>
+                            </p:stCondLst>
+                            <p:childTnLst>
+                              <p:par>
+                                <p:cTn id="19" presetID="42" presetClass="entr" presetSubtype="0" fill="hold" grpId="0" nodeType="clickEffect">
+                                  <p:stCondLst>
+                                    <p:cond delay="0"/>
+                                  </p:stCondLst>
+                                  <p:childTnLst>
+                                    <p:set>
+                                      <p:cBhvr>
+                                        <p:cTn id="20" dur="1" fill="hold">
+                                          <p:stCondLst>
+                                            <p:cond delay="0"/>
+                                          </p:stCondLst>
+                                        </p:cTn>
+                                        <p:tgtEl>
+                                          <p:spTgt spid="3">
+                                            <p:txEl>
+                                              <p:pRg st="2" end="2"/>
+                                            </p:txEl>
+                                          </p:spTgt>
+                                        </p:tgtEl>
+                                        <p:attrNameLst>
+                                          <p:attrName>style.visibility</p:attrName>
+                                        </p:attrNameLst>
+                                      </p:cBhvr>
+                                      <p:to>
+                                        <p:strVal val="visible"/>
+                                      </p:to>
+                                    </p:set>
+                                    <p:animEffect transition="in" filter="fade">
+                                      <p:cBhvr>
+                                        <p:cTn id="21" dur="1000"/>
+                                        <p:tgtEl>
+                                          <p:spTgt spid="3">
+                                            <p:txEl>
+                                              <p:pRg st="2" end="2"/>
+                                            </p:txEl>
+                                          </p:spTgt>
+                                        </p:tgtEl>
+                                      </p:cBhvr>
+                                    </p:animEffect>
+                                    <p:anim calcmode="lin" valueType="num">
+                                      <p:cBhvr>
+                                        <p:cTn id="22" dur="1000" fill="hold"/>
+                                        <p:tgtEl>
+                                          <p:spTgt spid="3">
+                                            <p:txEl>
+                                              <p:pRg st="2" end="2"/>
+                                            </p:txEl>
+                                          </p:spTgt>
+                                        </p:tgtEl>
+                                        <p:attrNameLst>
+                                          <p:attrName>ppt_x</p:attrName>
+                                        </p:attrNameLst>
+                                      </p:cBhvr>
+                                      <p:tavLst>
+                                        <p:tav tm="0">
+                                          <p:val>
+                                            <p:strVal val="#ppt_x"/>
+                                          </p:val>
+                                        </p:tav>
+                                        <p:tav tm="100000">
+                                          <p:val>
+                                            <p:strVal val="#ppt_x"/>
+                                          </p:val>
+                                        </p:tav>
+                                      </p:tavLst>
+                                    </p:anim>
+                                    <p:anim calcmode="lin" valueType="num">
+                                      <p:cBhvr>
+                                        <p:cTn id="23" dur="1000" fill="hold"/>
+                                        <p:tgtEl>
+                                          <p:spTgt spid="3">
+                                            <p:txEl>
+                                              <p:pRg st="2" end="2"/>
+                                            </p:txEl>
+                                          </p:spTgt>
+                                        </p:tgtEl>
+                                        <p:attrNameLst>
+                                          <p:attrName>ppt_y</p:attrName>
+                                        </p:attrNameLst>
+                                      </p:cBhvr>
+                                      <p:tavLst>
+                                        <p:tav tm="0">
+                                          <p:val>
+                                            <p:strVal val="#ppt_y+.1"/>
+                                          </p:val>
+                                        </p:tav>
+                                        <p:tav tm="100000">
+                                          <p:val>
+                                            <p:strVal val="#ppt_y"/>
+                                          </p:val>
+                                        </p:tav>
+                                      </p:tavLst>
+                                    </p:anim>
+                                  </p:childTnLst>
+                                </p:cTn>
+                              </p:par>
+                            </p:childTnLst>
+                          </p:cTn>
+                        </p:par>
+                      </p:childTnLst>
+                    </p:cTn>
+                  </p:par>
+                </p:childTnLst>
+              </p:cTn>
+              <p:prevCondLst>
+                <p:cond evt="onPrev" delay="0">
+                  <p:tgtEl>
+                    <p:sldTgt/>
+                  </p:tgtEl>
+                </p:cond>
+              </p:prevCondLst>
+              <p:nextCondLst>
+                <p:cond evt="onNext" delay="0">
+                  <p:tgtEl>
+                    <p:sldTgt/>
+                  </p:tgtEl>
+                </p:cond>
+              </p:nextCondLst>
+            </p:seq>
+          </p:childTnLst>
+        </p:cTn>
+      </p:par>
+    </p:tnLst>
+    <p:bldLst>
+      <p:bldP spid="3" grpId="0" uiExpand="1" build="p"/>
+    </p:bldLst>
+  </p:timing>
 </p:sld>
 </file>
 
